--- a/Vorträge/2016-03-01 Präsentation Schöppingen.pptx
+++ b/Vorträge/2016-03-01 Präsentation Schöppingen.pptx
@@ -18,6 +18,7 @@
     <p:sldId id="267" r:id="rId12"/>
     <p:sldId id="268" r:id="rId13"/>
     <p:sldId id="269" r:id="rId14"/>
+    <p:sldId id="271" r:id="rId15"/>
   </p:sldIdLst>
   <p:sldSz cx="12192000" cy="6858000"/>
   <p:notesSz cx="6858000" cy="9144000"/>
@@ -116,6 +117,11 @@
       </a:defRPr>
     </a:lvl9pPr>
   </p:defaultTextStyle>
+  <p:extLst>
+    <p:ext uri="{EFAFB233-063F-42B5-8137-9DF3F51BA10A}">
+      <p15:sldGuideLst xmlns:p15="http://schemas.microsoft.com/office/powerpoint/2012/main"/>
+    </p:ext>
+  </p:extLst>
 </p:presentation>
 </file>
 
@@ -250,7 +256,7 @@
           <a:p>
             <a:fld id="{01AB24ED-2B1D-41B7-A7DF-23D39F85CE93}" type="datetimeFigureOut">
               <a:rPr lang="de-DE" smtClean="0"/>
-              <a:t>15.02.2016</a:t>
+              <a:t>17.02.2016</a:t>
             </a:fld>
             <a:endParaRPr lang="de-DE"/>
           </a:p>
@@ -420,7 +426,7 @@
           <a:p>
             <a:fld id="{01AB24ED-2B1D-41B7-A7DF-23D39F85CE93}" type="datetimeFigureOut">
               <a:rPr lang="de-DE" smtClean="0"/>
-              <a:t>15.02.2016</a:t>
+              <a:t>17.02.2016</a:t>
             </a:fld>
             <a:endParaRPr lang="de-DE"/>
           </a:p>
@@ -600,7 +606,7 @@
           <a:p>
             <a:fld id="{01AB24ED-2B1D-41B7-A7DF-23D39F85CE93}" type="datetimeFigureOut">
               <a:rPr lang="de-DE" smtClean="0"/>
-              <a:t>15.02.2016</a:t>
+              <a:t>17.02.2016</a:t>
             </a:fld>
             <a:endParaRPr lang="de-DE"/>
           </a:p>
@@ -770,7 +776,7 @@
           <a:p>
             <a:fld id="{01AB24ED-2B1D-41B7-A7DF-23D39F85CE93}" type="datetimeFigureOut">
               <a:rPr lang="de-DE" smtClean="0"/>
-              <a:t>15.02.2016</a:t>
+              <a:t>17.02.2016</a:t>
             </a:fld>
             <a:endParaRPr lang="de-DE"/>
           </a:p>
@@ -1016,7 +1022,7 @@
           <a:p>
             <a:fld id="{01AB24ED-2B1D-41B7-A7DF-23D39F85CE93}" type="datetimeFigureOut">
               <a:rPr lang="de-DE" smtClean="0"/>
-              <a:t>15.02.2016</a:t>
+              <a:t>17.02.2016</a:t>
             </a:fld>
             <a:endParaRPr lang="de-DE"/>
           </a:p>
@@ -1248,7 +1254,7 @@
           <a:p>
             <a:fld id="{01AB24ED-2B1D-41B7-A7DF-23D39F85CE93}" type="datetimeFigureOut">
               <a:rPr lang="de-DE" smtClean="0"/>
-              <a:t>15.02.2016</a:t>
+              <a:t>17.02.2016</a:t>
             </a:fld>
             <a:endParaRPr lang="de-DE"/>
           </a:p>
@@ -1615,7 +1621,7 @@
           <a:p>
             <a:fld id="{01AB24ED-2B1D-41B7-A7DF-23D39F85CE93}" type="datetimeFigureOut">
               <a:rPr lang="de-DE" smtClean="0"/>
-              <a:t>15.02.2016</a:t>
+              <a:t>17.02.2016</a:t>
             </a:fld>
             <a:endParaRPr lang="de-DE"/>
           </a:p>
@@ -1733,7 +1739,7 @@
           <a:p>
             <a:fld id="{01AB24ED-2B1D-41B7-A7DF-23D39F85CE93}" type="datetimeFigureOut">
               <a:rPr lang="de-DE" smtClean="0"/>
-              <a:t>15.02.2016</a:t>
+              <a:t>17.02.2016</a:t>
             </a:fld>
             <a:endParaRPr lang="de-DE"/>
           </a:p>
@@ -1828,7 +1834,7 @@
           <a:p>
             <a:fld id="{01AB24ED-2B1D-41B7-A7DF-23D39F85CE93}" type="datetimeFigureOut">
               <a:rPr lang="de-DE" smtClean="0"/>
-              <a:t>15.02.2016</a:t>
+              <a:t>17.02.2016</a:t>
             </a:fld>
             <a:endParaRPr lang="de-DE"/>
           </a:p>
@@ -2105,7 +2111,7 @@
           <a:p>
             <a:fld id="{01AB24ED-2B1D-41B7-A7DF-23D39F85CE93}" type="datetimeFigureOut">
               <a:rPr lang="de-DE" smtClean="0"/>
-              <a:t>15.02.2016</a:t>
+              <a:t>17.02.2016</a:t>
             </a:fld>
             <a:endParaRPr lang="de-DE"/>
           </a:p>
@@ -2358,7 +2364,7 @@
           <a:p>
             <a:fld id="{01AB24ED-2B1D-41B7-A7DF-23D39F85CE93}" type="datetimeFigureOut">
               <a:rPr lang="de-DE" smtClean="0"/>
-              <a:t>15.02.2016</a:t>
+              <a:t>17.02.2016</a:t>
             </a:fld>
             <a:endParaRPr lang="de-DE"/>
           </a:p>
@@ -2571,7 +2577,7 @@
           <a:p>
             <a:fld id="{01AB24ED-2B1D-41B7-A7DF-23D39F85CE93}" type="datetimeFigureOut">
               <a:rPr lang="de-DE" smtClean="0"/>
-              <a:t>15.02.2016</a:t>
+              <a:t>17.02.2016</a:t>
             </a:fld>
             <a:endParaRPr lang="de-DE"/>
           </a:p>
@@ -3737,6 +3743,113 @@
 </p:sld>
 </file>
 
+<file path=ppt/slides/slide14.xml><?xml version="1.0" encoding="utf-8"?>
+<p:sld xmlns:a="http://schemas.openxmlformats.org/drawingml/2006/main" xmlns:r="http://schemas.openxmlformats.org/officeDocument/2006/relationships" xmlns:p="http://schemas.openxmlformats.org/presentationml/2006/main">
+  <p:cSld>
+    <p:spTree>
+      <p:nvGrpSpPr>
+        <p:cNvPr id="1" name=""/>
+        <p:cNvGrpSpPr/>
+        <p:nvPr/>
+      </p:nvGrpSpPr>
+      <p:grpSpPr>
+        <a:xfrm>
+          <a:off x="0" y="0"/>
+          <a:ext cx="0" cy="0"/>
+          <a:chOff x="0" y="0"/>
+          <a:chExt cx="0" cy="0"/>
+        </a:xfrm>
+      </p:grpSpPr>
+      <p:sp>
+        <p:nvSpPr>
+          <p:cNvPr id="6" name="Titel 5"/>
+          <p:cNvSpPr>
+            <a:spLocks noGrp="1"/>
+          </p:cNvSpPr>
+          <p:nvPr>
+            <p:ph type="title"/>
+          </p:nvPr>
+        </p:nvSpPr>
+        <p:spPr/>
+        <p:txBody>
+          <a:bodyPr/>
+          <a:lstStyle/>
+          <a:p>
+            <a:r>
+              <a:rPr lang="de-DE" dirty="0" smtClean="0"/>
+              <a:t>Quellen</a:t>
+            </a:r>
+            <a:endParaRPr lang="de-DE" dirty="0"/>
+          </a:p>
+        </p:txBody>
+      </p:sp>
+      <p:sp>
+        <p:nvSpPr>
+          <p:cNvPr id="7" name="Inhaltsplatzhalter 6"/>
+          <p:cNvSpPr>
+            <a:spLocks noGrp="1"/>
+          </p:cNvSpPr>
+          <p:nvPr>
+            <p:ph idx="1"/>
+          </p:nvPr>
+        </p:nvSpPr>
+        <p:spPr/>
+        <p:txBody>
+          <a:bodyPr/>
+          <a:lstStyle/>
+          <a:p>
+            <a:r>
+              <a:rPr lang="de-DE" dirty="0" smtClean="0"/>
+              <a:t>Karten sind © </a:t>
+            </a:r>
+            <a:r>
+              <a:rPr lang="de-DE" dirty="0" err="1" smtClean="0"/>
+              <a:t>Openstreetmap</a:t>
+            </a:r>
+            <a:r>
+              <a:rPr lang="de-DE" dirty="0" smtClean="0"/>
+              <a:t> </a:t>
+            </a:r>
+            <a:r>
+              <a:rPr lang="de-DE" dirty="0" err="1" smtClean="0"/>
+              <a:t>Contributers</a:t>
+            </a:r>
+            <a:r>
+              <a:rPr lang="de-DE" dirty="0" smtClean="0"/>
+              <a:t> (openstreetmap.org/</a:t>
+            </a:r>
+            <a:r>
+              <a:rPr lang="de-DE" dirty="0" err="1" smtClean="0"/>
+              <a:t>license</a:t>
+            </a:r>
+            <a:r>
+              <a:rPr lang="de-DE" dirty="0" smtClean="0"/>
+              <a:t>)</a:t>
+            </a:r>
+            <a:endParaRPr lang="de-DE" dirty="0"/>
+          </a:p>
+        </p:txBody>
+      </p:sp>
+    </p:spTree>
+    <p:extLst>
+      <p:ext uri="{BB962C8B-B14F-4D97-AF65-F5344CB8AC3E}">
+        <p14:creationId xmlns:p14="http://schemas.microsoft.com/office/powerpoint/2010/main" val="4270343899"/>
+      </p:ext>
+    </p:extLst>
+  </p:cSld>
+  <p:clrMapOvr>
+    <a:masterClrMapping/>
+  </p:clrMapOvr>
+  <p:timing>
+    <p:tnLst>
+      <p:par>
+        <p:cTn id="1" dur="indefinite" restart="never" nodeType="tmRoot"/>
+      </p:par>
+    </p:tnLst>
+  </p:timing>
+</p:sld>
+</file>
+
 <file path=ppt/slides/slide2.xml><?xml version="1.0" encoding="utf-8"?>
 <p:sld xmlns:a="http://schemas.openxmlformats.org/drawingml/2006/main" xmlns:r="http://schemas.openxmlformats.org/officeDocument/2006/relationships" xmlns:p="http://schemas.openxmlformats.org/presentationml/2006/main">
   <p:cSld>
@@ -4133,11 +4246,7 @@
             </a:r>
             <a:r>
               <a:rPr lang="de-DE" dirty="0" smtClean="0"/>
-              <a:t> </a:t>
-            </a:r>
-            <a:r>
-              <a:rPr lang="de-DE" dirty="0" smtClean="0"/>
-              <a:t>Münsterland</a:t>
+              <a:t> Münsterland</a:t>
             </a:r>
           </a:p>
           <a:p>

--- a/Vorträge/2016-03-01 Präsentation Schöppingen.pptx
+++ b/Vorträge/2016-03-01 Präsentation Schöppingen.pptx
@@ -14,11 +14,14 @@
     <p:sldId id="261" r:id="rId8"/>
     <p:sldId id="262" r:id="rId9"/>
     <p:sldId id="263" r:id="rId10"/>
-    <p:sldId id="264" r:id="rId11"/>
-    <p:sldId id="267" r:id="rId12"/>
-    <p:sldId id="268" r:id="rId13"/>
-    <p:sldId id="269" r:id="rId14"/>
-    <p:sldId id="271" r:id="rId15"/>
+    <p:sldId id="272" r:id="rId11"/>
+    <p:sldId id="273" r:id="rId12"/>
+    <p:sldId id="274" r:id="rId13"/>
+    <p:sldId id="264" r:id="rId14"/>
+    <p:sldId id="267" r:id="rId15"/>
+    <p:sldId id="268" r:id="rId16"/>
+    <p:sldId id="269" r:id="rId17"/>
+    <p:sldId id="271" r:id="rId18"/>
   </p:sldIdLst>
   <p:sldSz cx="12192000" cy="6858000"/>
   <p:notesSz cx="6858000" cy="9144000"/>
@@ -256,7 +259,7 @@
           <a:p>
             <a:fld id="{01AB24ED-2B1D-41B7-A7DF-23D39F85CE93}" type="datetimeFigureOut">
               <a:rPr lang="de-DE" smtClean="0"/>
-              <a:t>17.02.2016</a:t>
+              <a:t>28.02.2016</a:t>
             </a:fld>
             <a:endParaRPr lang="de-DE"/>
           </a:p>
@@ -426,7 +429,7 @@
           <a:p>
             <a:fld id="{01AB24ED-2B1D-41B7-A7DF-23D39F85CE93}" type="datetimeFigureOut">
               <a:rPr lang="de-DE" smtClean="0"/>
-              <a:t>17.02.2016</a:t>
+              <a:t>28.02.2016</a:t>
             </a:fld>
             <a:endParaRPr lang="de-DE"/>
           </a:p>
@@ -606,7 +609,7 @@
           <a:p>
             <a:fld id="{01AB24ED-2B1D-41B7-A7DF-23D39F85CE93}" type="datetimeFigureOut">
               <a:rPr lang="de-DE" smtClean="0"/>
-              <a:t>17.02.2016</a:t>
+              <a:t>28.02.2016</a:t>
             </a:fld>
             <a:endParaRPr lang="de-DE"/>
           </a:p>
@@ -776,7 +779,7 @@
           <a:p>
             <a:fld id="{01AB24ED-2B1D-41B7-A7DF-23D39F85CE93}" type="datetimeFigureOut">
               <a:rPr lang="de-DE" smtClean="0"/>
-              <a:t>17.02.2016</a:t>
+              <a:t>28.02.2016</a:t>
             </a:fld>
             <a:endParaRPr lang="de-DE"/>
           </a:p>
@@ -1022,7 +1025,7 @@
           <a:p>
             <a:fld id="{01AB24ED-2B1D-41B7-A7DF-23D39F85CE93}" type="datetimeFigureOut">
               <a:rPr lang="de-DE" smtClean="0"/>
-              <a:t>17.02.2016</a:t>
+              <a:t>28.02.2016</a:t>
             </a:fld>
             <a:endParaRPr lang="de-DE"/>
           </a:p>
@@ -1254,7 +1257,7 @@
           <a:p>
             <a:fld id="{01AB24ED-2B1D-41B7-A7DF-23D39F85CE93}" type="datetimeFigureOut">
               <a:rPr lang="de-DE" smtClean="0"/>
-              <a:t>17.02.2016</a:t>
+              <a:t>28.02.2016</a:t>
             </a:fld>
             <a:endParaRPr lang="de-DE"/>
           </a:p>
@@ -1621,7 +1624,7 @@
           <a:p>
             <a:fld id="{01AB24ED-2B1D-41B7-A7DF-23D39F85CE93}" type="datetimeFigureOut">
               <a:rPr lang="de-DE" smtClean="0"/>
-              <a:t>17.02.2016</a:t>
+              <a:t>28.02.2016</a:t>
             </a:fld>
             <a:endParaRPr lang="de-DE"/>
           </a:p>
@@ -1739,7 +1742,7 @@
           <a:p>
             <a:fld id="{01AB24ED-2B1D-41B7-A7DF-23D39F85CE93}" type="datetimeFigureOut">
               <a:rPr lang="de-DE" smtClean="0"/>
-              <a:t>17.02.2016</a:t>
+              <a:t>28.02.2016</a:t>
             </a:fld>
             <a:endParaRPr lang="de-DE"/>
           </a:p>
@@ -1834,7 +1837,7 @@
           <a:p>
             <a:fld id="{01AB24ED-2B1D-41B7-A7DF-23D39F85CE93}" type="datetimeFigureOut">
               <a:rPr lang="de-DE" smtClean="0"/>
-              <a:t>17.02.2016</a:t>
+              <a:t>28.02.2016</a:t>
             </a:fld>
             <a:endParaRPr lang="de-DE"/>
           </a:p>
@@ -2111,7 +2114,7 @@
           <a:p>
             <a:fld id="{01AB24ED-2B1D-41B7-A7DF-23D39F85CE93}" type="datetimeFigureOut">
               <a:rPr lang="de-DE" smtClean="0"/>
-              <a:t>17.02.2016</a:t>
+              <a:t>28.02.2016</a:t>
             </a:fld>
             <a:endParaRPr lang="de-DE"/>
           </a:p>
@@ -2364,7 +2367,7 @@
           <a:p>
             <a:fld id="{01AB24ED-2B1D-41B7-A7DF-23D39F85CE93}" type="datetimeFigureOut">
               <a:rPr lang="de-DE" smtClean="0"/>
-              <a:t>17.02.2016</a:t>
+              <a:t>28.02.2016</a:t>
             </a:fld>
             <a:endParaRPr lang="de-DE"/>
           </a:p>
@@ -2577,7 +2580,7 @@
           <a:p>
             <a:fld id="{01AB24ED-2B1D-41B7-A7DF-23D39F85CE93}" type="datetimeFigureOut">
               <a:rPr lang="de-DE" smtClean="0"/>
-              <a:t>17.02.2016</a:t>
+              <a:t>28.02.2016</a:t>
             </a:fld>
             <a:endParaRPr lang="de-DE"/>
           </a:p>
@@ -3096,89 +3099,367 @@
           <a:p>
             <a:r>
               <a:rPr lang="de-DE" dirty="0" smtClean="0"/>
-              <a:t>Aktueller Stand</a:t>
+              <a:t>Funktionsweise des </a:t>
+            </a:r>
+            <a:r>
+              <a:rPr lang="de-DE" dirty="0" err="1" smtClean="0"/>
+              <a:t>Meshings</a:t>
             </a:r>
             <a:endParaRPr lang="de-DE" dirty="0"/>
+          </a:p>
+        </p:txBody>
+      </p:sp>
+      <p:sp>
+        <p:nvSpPr>
+          <p:cNvPr id="4" name="Datumsplatzhalter 3"/>
+          <p:cNvSpPr>
+            <a:spLocks noGrp="1"/>
+          </p:cNvSpPr>
+          <p:nvPr>
+            <p:ph type="dt" sz="half" idx="10"/>
+          </p:nvPr>
+        </p:nvSpPr>
+        <p:spPr/>
+        <p:txBody>
+          <a:bodyPr/>
+          <a:lstStyle/>
+          <a:p>
+            <a:r>
+              <a:rPr lang="de-DE" smtClean="0"/>
+              <a:t>24.09.2015</a:t>
+            </a:r>
+            <a:endParaRPr lang="de-DE"/>
+          </a:p>
+        </p:txBody>
+      </p:sp>
+      <p:sp>
+        <p:nvSpPr>
+          <p:cNvPr id="5" name="Foliennummernplatzhalter 4"/>
+          <p:cNvSpPr>
+            <a:spLocks noGrp="1"/>
+          </p:cNvSpPr>
+          <p:nvPr>
+            <p:ph type="sldNum" sz="quarter" idx="12"/>
+          </p:nvPr>
+        </p:nvSpPr>
+        <p:spPr/>
+        <p:txBody>
+          <a:bodyPr/>
+          <a:lstStyle/>
+          <a:p>
+            <a:fld id="{6C6AE60A-B69C-4790-82F7-3882EDF23186}" type="slidenum">
+              <a:rPr lang="de-DE" smtClean="0"/>
+              <a:pPr/>
+              <a:t>10</a:t>
+            </a:fld>
+            <a:endParaRPr lang="de-DE"/>
           </a:p>
         </p:txBody>
       </p:sp>
       <p:pic>
         <p:nvPicPr>
-          <p:cNvPr id="6" name="Inhaltsplatzhalter 5"/>
+          <p:cNvPr id="7" name="Shape 246"/>
           <p:cNvPicPr>
-            <a:picLocks noGrp="1" noChangeAspect="1"/>
+            <a:picLocks noChangeAspect="1"/>
           </p:cNvPicPr>
-          <p:nvPr>
-            <p:ph sz="half" idx="1"/>
-          </p:nvPr>
+          <p:nvPr/>
         </p:nvPicPr>
         <p:blipFill>
-          <a:blip r:embed="rId2">
-            <a:extLst>
-              <a:ext uri="{28A0092B-C50C-407E-A947-70E740481C1C}">
-                <a14:useLocalDpi xmlns:a14="http://schemas.microsoft.com/office/drawing/2010/main" val="0"/>
-              </a:ext>
-            </a:extLst>
-          </a:blip>
+          <a:blip r:embed="rId2" cstate="print"/>
+          <a:srcRect l="19009"/>
           <a:stretch>
             <a:fillRect/>
           </a:stretch>
         </p:blipFill>
         <p:spPr>
           <a:xfrm>
-            <a:off x="838200" y="2448165"/>
-            <a:ext cx="5181600" cy="3106258"/>
+            <a:off x="1524001" y="3799799"/>
+            <a:ext cx="4572365" cy="952201"/>
           </a:xfrm>
+          <a:prstGeom prst="rect">
+            <a:avLst/>
+          </a:prstGeom>
+          <a:noFill/>
+          <a:ln>
+            <a:noFill/>
+          </a:ln>
         </p:spPr>
       </p:pic>
-      <p:sp>
-        <p:nvSpPr>
-          <p:cNvPr id="5" name="Inhaltsplatzhalter 4"/>
-          <p:cNvSpPr>
-            <a:spLocks noGrp="1"/>
-          </p:cNvSpPr>
-          <p:nvPr>
-            <p:ph sz="half" idx="2"/>
-          </p:nvPr>
-        </p:nvSpPr>
-        <p:spPr/>
-        <p:txBody>
-          <a:bodyPr/>
-          <a:lstStyle/>
-          <a:p>
-            <a:r>
-              <a:rPr lang="de-DE" dirty="0" smtClean="0"/>
-              <a:t>Münsterland</a:t>
-            </a:r>
-          </a:p>
-          <a:p>
-            <a:pPr lvl="1"/>
-            <a:r>
-              <a:rPr lang="de-DE" dirty="0" smtClean="0"/>
-              <a:t>1500 Zugangspunkte</a:t>
-            </a:r>
-          </a:p>
-          <a:p>
-            <a:r>
-              <a:rPr lang="de-DE" dirty="0" err="1" smtClean="0"/>
-              <a:t>Schöppingen</a:t>
-            </a:r>
-            <a:endParaRPr lang="de-DE" dirty="0" smtClean="0"/>
-          </a:p>
-          <a:p>
-            <a:pPr lvl="1"/>
-            <a:r>
-              <a:rPr lang="de-DE" dirty="0" smtClean="0"/>
-              <a:t>3 Zugangspunkte</a:t>
-            </a:r>
-            <a:endParaRPr lang="de-DE" dirty="0"/>
+      <p:pic>
+        <p:nvPicPr>
+          <p:cNvPr id="8" name="Shape 247"/>
+          <p:cNvPicPr>
+            <a:picLocks noChangeAspect="1"/>
+          </p:cNvPicPr>
+          <p:nvPr/>
+        </p:nvPicPr>
+        <p:blipFill>
+          <a:blip r:embed="rId3" cstate="print"/>
+          <a:stretch>
+            <a:fillRect/>
+          </a:stretch>
+        </p:blipFill>
+        <p:spPr>
+          <a:xfrm>
+            <a:off x="2144996" y="3022924"/>
+            <a:ext cx="2257196" cy="1752118"/>
+          </a:xfrm>
+          <a:prstGeom prst="rect">
+            <a:avLst/>
+          </a:prstGeom>
+          <a:noFill/>
+          <a:ln>
+            <a:noFill/>
+          </a:ln>
+        </p:spPr>
+      </p:pic>
+      <p:pic>
+        <p:nvPicPr>
+          <p:cNvPr id="9" name="Shape 248"/>
+          <p:cNvPicPr>
+            <a:picLocks noChangeAspect="1"/>
+          </p:cNvPicPr>
+          <p:nvPr/>
+        </p:nvPicPr>
+        <p:blipFill>
+          <a:blip r:embed="rId3" cstate="print"/>
+          <a:stretch>
+            <a:fillRect/>
+          </a:stretch>
+        </p:blipFill>
+        <p:spPr>
+          <a:xfrm>
+            <a:off x="4871280" y="3022924"/>
+            <a:ext cx="2257196" cy="1752118"/>
+          </a:xfrm>
+          <a:prstGeom prst="rect">
+            <a:avLst/>
+          </a:prstGeom>
+          <a:noFill/>
+          <a:ln>
+            <a:noFill/>
+          </a:ln>
+        </p:spPr>
+      </p:pic>
+      <p:pic>
+        <p:nvPicPr>
+          <p:cNvPr id="10" name="Shape 249"/>
+          <p:cNvPicPr>
+            <a:picLocks noChangeAspect="1"/>
+          </p:cNvPicPr>
+          <p:nvPr/>
+        </p:nvPicPr>
+        <p:blipFill>
+          <a:blip r:embed="rId3" cstate="print"/>
+          <a:stretch>
+            <a:fillRect/>
+          </a:stretch>
+        </p:blipFill>
+        <p:spPr>
+          <a:xfrm>
+            <a:off x="7765676" y="3022924"/>
+            <a:ext cx="2257196" cy="1752118"/>
+          </a:xfrm>
+          <a:prstGeom prst="rect">
+            <a:avLst/>
+          </a:prstGeom>
+          <a:noFill/>
+          <a:ln>
+            <a:noFill/>
+          </a:ln>
+        </p:spPr>
+      </p:pic>
+      <p:sp>
+        <p:nvSpPr>
+          <p:cNvPr id="11" name="TextShape 4"/>
+          <p:cNvSpPr txBox="1"/>
+          <p:nvPr/>
+        </p:nvSpPr>
+        <p:spPr>
+          <a:xfrm>
+            <a:off x="1981200" y="2424239"/>
+            <a:ext cx="2170584" cy="530635"/>
+          </a:xfrm>
+          <a:prstGeom prst="rect">
+            <a:avLst/>
+          </a:prstGeom>
+          <a:noFill/>
+          <a:ln>
+            <a:noFill/>
+          </a:ln>
+        </p:spPr>
+        <p:txBody>
+          <a:bodyPr vert="horz" wrap="square" lIns="91440" tIns="91440" rIns="91440" bIns="91440" anchor="b" anchorCtr="0" compatLnSpc="1"/>
+          <a:lstStyle/>
+          <a:p>
+            <a:pPr>
+              <a:defRPr sz="1800" b="0" i="0" u="none" strike="noStrike" kern="0" cap="none" spc="0" baseline="0">
+                <a:solidFill>
+                  <a:srgbClr val="000000"/>
+                </a:solidFill>
+                <a:uFillTx/>
+              </a:defRPr>
+            </a:pPr>
+            <a:r>
+              <a:rPr lang="de-DE" sz="2400" b="1" dirty="0">
+                <a:solidFill>
+                  <a:srgbClr val="000000"/>
+                </a:solidFill>
+                <a:latin typeface="Arial"/>
+                <a:ea typeface="Arial"/>
+                <a:cs typeface="DejaVu Sans"/>
+              </a:rPr>
+              <a:t>Familie Meier</a:t>
+            </a:r>
+            <a:endParaRPr lang="de-DE" dirty="0">
+              <a:solidFill>
+                <a:srgbClr val="000000"/>
+              </a:solidFill>
+              <a:latin typeface="Arial"/>
+              <a:ea typeface="DejaVu Sans"/>
+              <a:cs typeface="DejaVu Sans"/>
+            </a:endParaRPr>
+          </a:p>
+        </p:txBody>
+      </p:sp>
+      <p:pic>
+        <p:nvPicPr>
+          <p:cNvPr id="12" name="Shape 258"/>
+          <p:cNvPicPr>
+            <a:picLocks noChangeAspect="1"/>
+          </p:cNvPicPr>
+          <p:nvPr/>
+        </p:nvPicPr>
+        <p:blipFill>
+          <a:blip r:embed="rId4" cstate="print"/>
+          <a:stretch>
+            <a:fillRect/>
+          </a:stretch>
+        </p:blipFill>
+        <p:spPr>
+          <a:xfrm>
+            <a:off x="2360282" y="3956398"/>
+            <a:ext cx="1266480" cy="818644"/>
+          </a:xfrm>
+          <a:prstGeom prst="rect">
+            <a:avLst/>
+          </a:prstGeom>
+          <a:noFill/>
+          <a:ln>
+            <a:noFill/>
+          </a:ln>
+        </p:spPr>
+      </p:pic>
+      <p:sp>
+        <p:nvSpPr>
+          <p:cNvPr id="15" name="TextShape 8"/>
+          <p:cNvSpPr txBox="1"/>
+          <p:nvPr/>
+        </p:nvSpPr>
+        <p:spPr>
+          <a:xfrm>
+            <a:off x="4936441" y="2424239"/>
+            <a:ext cx="2420279" cy="530635"/>
+          </a:xfrm>
+          <a:prstGeom prst="rect">
+            <a:avLst/>
+          </a:prstGeom>
+          <a:noFill/>
+          <a:ln>
+            <a:noFill/>
+          </a:ln>
+        </p:spPr>
+        <p:txBody>
+          <a:bodyPr vert="horz" wrap="square" lIns="91440" tIns="91440" rIns="91440" bIns="91440" anchor="b" anchorCtr="0" compatLnSpc="1"/>
+          <a:lstStyle/>
+          <a:p>
+            <a:pPr>
+              <a:defRPr sz="1800" b="0" i="0" u="none" strike="noStrike" kern="0" cap="none" spc="0" baseline="0">
+                <a:solidFill>
+                  <a:srgbClr val="000000"/>
+                </a:solidFill>
+                <a:uFillTx/>
+              </a:defRPr>
+            </a:pPr>
+            <a:r>
+              <a:rPr lang="de-DE" sz="2400" b="1" dirty="0">
+                <a:solidFill>
+                  <a:srgbClr val="000000"/>
+                </a:solidFill>
+                <a:latin typeface="Arial"/>
+                <a:ea typeface="Arial"/>
+                <a:cs typeface="DejaVu Sans"/>
+              </a:rPr>
+              <a:t>Cafe / Kirche</a:t>
+            </a:r>
+            <a:endParaRPr lang="de-DE" dirty="0">
+              <a:solidFill>
+                <a:srgbClr val="000000"/>
+              </a:solidFill>
+              <a:latin typeface="Arial"/>
+              <a:ea typeface="DejaVu Sans"/>
+              <a:cs typeface="DejaVu Sans"/>
+            </a:endParaRPr>
+          </a:p>
+        </p:txBody>
+      </p:sp>
+      <p:sp>
+        <p:nvSpPr>
+          <p:cNvPr id="16" name="TextShape 9"/>
+          <p:cNvSpPr txBox="1"/>
+          <p:nvPr/>
+        </p:nvSpPr>
+        <p:spPr>
+          <a:xfrm>
+            <a:off x="7843081" y="2424239"/>
+            <a:ext cx="2249643" cy="530635"/>
+          </a:xfrm>
+          <a:prstGeom prst="rect">
+            <a:avLst/>
+          </a:prstGeom>
+          <a:noFill/>
+          <a:ln>
+            <a:noFill/>
+          </a:ln>
+        </p:spPr>
+        <p:txBody>
+          <a:bodyPr vert="horz" wrap="square" lIns="91440" tIns="91440" rIns="91440" bIns="91440" anchor="b" anchorCtr="0" compatLnSpc="1"/>
+          <a:lstStyle/>
+          <a:p>
+            <a:pPr>
+              <a:defRPr sz="1800" b="0" i="0" u="none" strike="noStrike" kern="0" cap="none" spc="0" baseline="0">
+                <a:solidFill>
+                  <a:srgbClr val="000000"/>
+                </a:solidFill>
+                <a:uFillTx/>
+              </a:defRPr>
+            </a:pPr>
+            <a:r>
+              <a:rPr lang="de-DE" sz="2200" b="1">
+                <a:solidFill>
+                  <a:srgbClr val="000000"/>
+                </a:solidFill>
+                <a:latin typeface="Arial"/>
+                <a:ea typeface="Arial"/>
+                <a:cs typeface="DejaVu Sans"/>
+              </a:rPr>
+              <a:t>Gemeindehaus</a:t>
+            </a:r>
+            <a:endParaRPr lang="de-DE">
+              <a:solidFill>
+                <a:srgbClr val="000000"/>
+              </a:solidFill>
+              <a:latin typeface="Arial"/>
+              <a:ea typeface="DejaVu Sans"/>
+              <a:cs typeface="DejaVu Sans"/>
+            </a:endParaRPr>
           </a:p>
         </p:txBody>
       </p:sp>
     </p:spTree>
     <p:extLst>
       <p:ext uri="{BB962C8B-B14F-4D97-AF65-F5344CB8AC3E}">
-        <p14:creationId xmlns:p14="http://schemas.microsoft.com/office/powerpoint/2010/main" val="278150529"/>
+        <p14:creationId xmlns:p14="http://schemas.microsoft.com/office/powerpoint/2010/main" val="3249870720"/>
       </p:ext>
     </p:extLst>
   </p:cSld>
@@ -3212,6 +3493,1130 @@
           <a:chExt cx="0" cy="0"/>
         </a:xfrm>
       </p:grpSpPr>
+      <p:pic>
+        <p:nvPicPr>
+          <p:cNvPr id="17" name="Shape 245"/>
+          <p:cNvPicPr>
+            <a:picLocks noChangeAspect="1"/>
+          </p:cNvPicPr>
+          <p:nvPr/>
+        </p:nvPicPr>
+        <p:blipFill>
+          <a:blip r:embed="rId2" cstate="print"/>
+          <a:stretch>
+            <a:fillRect/>
+          </a:stretch>
+        </p:blipFill>
+        <p:spPr>
+          <a:xfrm>
+            <a:off x="3325442" y="3799799"/>
+            <a:ext cx="5645523" cy="952201"/>
+          </a:xfrm>
+          <a:prstGeom prst="rect">
+            <a:avLst/>
+          </a:prstGeom>
+          <a:noFill/>
+          <a:ln>
+            <a:noFill/>
+          </a:ln>
+        </p:spPr>
+      </p:pic>
+      <p:sp>
+        <p:nvSpPr>
+          <p:cNvPr id="2" name="Titel 1"/>
+          <p:cNvSpPr>
+            <a:spLocks noGrp="1"/>
+          </p:cNvSpPr>
+          <p:nvPr>
+            <p:ph type="title"/>
+          </p:nvPr>
+        </p:nvSpPr>
+        <p:spPr/>
+        <p:txBody>
+          <a:bodyPr/>
+          <a:lstStyle/>
+          <a:p>
+            <a:r>
+              <a:rPr lang="de-DE" dirty="0" smtClean="0"/>
+              <a:t>Funktionsweise des </a:t>
+            </a:r>
+            <a:r>
+              <a:rPr lang="de-DE" dirty="0" err="1" smtClean="0"/>
+              <a:t>Meshings</a:t>
+            </a:r>
+            <a:endParaRPr lang="de-DE" dirty="0"/>
+          </a:p>
+        </p:txBody>
+      </p:sp>
+      <p:sp>
+        <p:nvSpPr>
+          <p:cNvPr id="4" name="Datumsplatzhalter 3"/>
+          <p:cNvSpPr>
+            <a:spLocks noGrp="1"/>
+          </p:cNvSpPr>
+          <p:nvPr>
+            <p:ph type="dt" sz="half" idx="10"/>
+          </p:nvPr>
+        </p:nvSpPr>
+        <p:spPr/>
+        <p:txBody>
+          <a:bodyPr/>
+          <a:lstStyle/>
+          <a:p>
+            <a:r>
+              <a:rPr lang="de-DE" smtClean="0"/>
+              <a:t>24.09.2015</a:t>
+            </a:r>
+            <a:endParaRPr lang="de-DE"/>
+          </a:p>
+        </p:txBody>
+      </p:sp>
+      <p:sp>
+        <p:nvSpPr>
+          <p:cNvPr id="5" name="Foliennummernplatzhalter 4"/>
+          <p:cNvSpPr>
+            <a:spLocks noGrp="1"/>
+          </p:cNvSpPr>
+          <p:nvPr>
+            <p:ph type="sldNum" sz="quarter" idx="12"/>
+          </p:nvPr>
+        </p:nvSpPr>
+        <p:spPr/>
+        <p:txBody>
+          <a:bodyPr/>
+          <a:lstStyle/>
+          <a:p>
+            <a:fld id="{6C6AE60A-B69C-4790-82F7-3882EDF23186}" type="slidenum">
+              <a:rPr lang="de-DE" smtClean="0"/>
+              <a:pPr/>
+              <a:t>11</a:t>
+            </a:fld>
+            <a:endParaRPr lang="de-DE"/>
+          </a:p>
+        </p:txBody>
+      </p:sp>
+      <p:pic>
+        <p:nvPicPr>
+          <p:cNvPr id="7" name="Shape 246"/>
+          <p:cNvPicPr>
+            <a:picLocks noChangeAspect="1"/>
+          </p:cNvPicPr>
+          <p:nvPr/>
+        </p:nvPicPr>
+        <p:blipFill>
+          <a:blip r:embed="rId2" cstate="print"/>
+          <a:srcRect l="19009"/>
+          <a:stretch>
+            <a:fillRect/>
+          </a:stretch>
+        </p:blipFill>
+        <p:spPr>
+          <a:xfrm>
+            <a:off x="1524001" y="3799799"/>
+            <a:ext cx="4572365" cy="952201"/>
+          </a:xfrm>
+          <a:prstGeom prst="rect">
+            <a:avLst/>
+          </a:prstGeom>
+          <a:noFill/>
+          <a:ln>
+            <a:noFill/>
+          </a:ln>
+        </p:spPr>
+      </p:pic>
+      <p:pic>
+        <p:nvPicPr>
+          <p:cNvPr id="8" name="Shape 247"/>
+          <p:cNvPicPr>
+            <a:picLocks noChangeAspect="1"/>
+          </p:cNvPicPr>
+          <p:nvPr/>
+        </p:nvPicPr>
+        <p:blipFill>
+          <a:blip r:embed="rId3" cstate="print"/>
+          <a:stretch>
+            <a:fillRect/>
+          </a:stretch>
+        </p:blipFill>
+        <p:spPr>
+          <a:xfrm>
+            <a:off x="2144996" y="3022924"/>
+            <a:ext cx="2257196" cy="1752118"/>
+          </a:xfrm>
+          <a:prstGeom prst="rect">
+            <a:avLst/>
+          </a:prstGeom>
+          <a:noFill/>
+          <a:ln>
+            <a:noFill/>
+          </a:ln>
+        </p:spPr>
+      </p:pic>
+      <p:pic>
+        <p:nvPicPr>
+          <p:cNvPr id="9" name="Shape 248"/>
+          <p:cNvPicPr>
+            <a:picLocks noChangeAspect="1"/>
+          </p:cNvPicPr>
+          <p:nvPr/>
+        </p:nvPicPr>
+        <p:blipFill>
+          <a:blip r:embed="rId3" cstate="print"/>
+          <a:stretch>
+            <a:fillRect/>
+          </a:stretch>
+        </p:blipFill>
+        <p:spPr>
+          <a:xfrm>
+            <a:off x="4871280" y="3022924"/>
+            <a:ext cx="2257196" cy="1752118"/>
+          </a:xfrm>
+          <a:prstGeom prst="rect">
+            <a:avLst/>
+          </a:prstGeom>
+          <a:noFill/>
+          <a:ln>
+            <a:noFill/>
+          </a:ln>
+        </p:spPr>
+      </p:pic>
+      <p:pic>
+        <p:nvPicPr>
+          <p:cNvPr id="10" name="Shape 249"/>
+          <p:cNvPicPr>
+            <a:picLocks noChangeAspect="1"/>
+          </p:cNvPicPr>
+          <p:nvPr/>
+        </p:nvPicPr>
+        <p:blipFill>
+          <a:blip r:embed="rId3" cstate="print"/>
+          <a:stretch>
+            <a:fillRect/>
+          </a:stretch>
+        </p:blipFill>
+        <p:spPr>
+          <a:xfrm>
+            <a:off x="7765676" y="3022924"/>
+            <a:ext cx="2257196" cy="1752118"/>
+          </a:xfrm>
+          <a:prstGeom prst="rect">
+            <a:avLst/>
+          </a:prstGeom>
+          <a:noFill/>
+          <a:ln>
+            <a:noFill/>
+          </a:ln>
+        </p:spPr>
+      </p:pic>
+      <p:sp>
+        <p:nvSpPr>
+          <p:cNvPr id="11" name="TextShape 4"/>
+          <p:cNvSpPr txBox="1"/>
+          <p:nvPr/>
+        </p:nvSpPr>
+        <p:spPr>
+          <a:xfrm>
+            <a:off x="1981199" y="2424239"/>
+            <a:ext cx="2117271" cy="530635"/>
+          </a:xfrm>
+          <a:prstGeom prst="rect">
+            <a:avLst/>
+          </a:prstGeom>
+          <a:noFill/>
+          <a:ln>
+            <a:noFill/>
+          </a:ln>
+        </p:spPr>
+        <p:txBody>
+          <a:bodyPr vert="horz" wrap="square" lIns="91440" tIns="91440" rIns="91440" bIns="91440" anchor="b" anchorCtr="0" compatLnSpc="1"/>
+          <a:lstStyle/>
+          <a:p>
+            <a:pPr>
+              <a:defRPr sz="1800" b="0" i="0" u="none" strike="noStrike" kern="0" cap="none" spc="0" baseline="0">
+                <a:solidFill>
+                  <a:srgbClr val="000000"/>
+                </a:solidFill>
+                <a:uFillTx/>
+              </a:defRPr>
+            </a:pPr>
+            <a:r>
+              <a:rPr lang="de-DE" sz="2400" b="1" dirty="0" smtClean="0">
+                <a:solidFill>
+                  <a:srgbClr val="000000"/>
+                </a:solidFill>
+                <a:latin typeface="Arial"/>
+                <a:ea typeface="Arial"/>
+                <a:cs typeface="DejaVu Sans"/>
+              </a:rPr>
+              <a:t>Familie Meier</a:t>
+            </a:r>
+            <a:endParaRPr lang="de-DE" dirty="0">
+              <a:solidFill>
+                <a:srgbClr val="000000"/>
+              </a:solidFill>
+              <a:latin typeface="Arial"/>
+              <a:ea typeface="DejaVu Sans"/>
+              <a:cs typeface="DejaVu Sans"/>
+            </a:endParaRPr>
+          </a:p>
+        </p:txBody>
+      </p:sp>
+      <p:pic>
+        <p:nvPicPr>
+          <p:cNvPr id="12" name="Shape 258"/>
+          <p:cNvPicPr>
+            <a:picLocks noChangeAspect="1"/>
+          </p:cNvPicPr>
+          <p:nvPr/>
+        </p:nvPicPr>
+        <p:blipFill>
+          <a:blip r:embed="rId4" cstate="print"/>
+          <a:stretch>
+            <a:fillRect/>
+          </a:stretch>
+        </p:blipFill>
+        <p:spPr>
+          <a:xfrm>
+            <a:off x="2360282" y="3956398"/>
+            <a:ext cx="1266480" cy="818644"/>
+          </a:xfrm>
+          <a:prstGeom prst="rect">
+            <a:avLst/>
+          </a:prstGeom>
+          <a:noFill/>
+          <a:ln>
+            <a:noFill/>
+          </a:ln>
+        </p:spPr>
+      </p:pic>
+      <p:pic>
+        <p:nvPicPr>
+          <p:cNvPr id="13" name="Shape 262"/>
+          <p:cNvPicPr>
+            <a:picLocks noChangeAspect="1"/>
+          </p:cNvPicPr>
+          <p:nvPr/>
+        </p:nvPicPr>
+        <p:blipFill>
+          <a:blip r:embed="rId5" cstate="print"/>
+          <a:stretch>
+            <a:fillRect/>
+          </a:stretch>
+        </p:blipFill>
+        <p:spPr>
+          <a:xfrm>
+            <a:off x="5184481" y="3956399"/>
+            <a:ext cx="1142643" cy="504355"/>
+          </a:xfrm>
+          <a:prstGeom prst="rect">
+            <a:avLst/>
+          </a:prstGeom>
+          <a:noFill/>
+          <a:ln>
+            <a:noFill/>
+          </a:ln>
+        </p:spPr>
+      </p:pic>
+      <p:sp>
+        <p:nvSpPr>
+          <p:cNvPr id="15" name="TextShape 8"/>
+          <p:cNvSpPr txBox="1"/>
+          <p:nvPr/>
+        </p:nvSpPr>
+        <p:spPr>
+          <a:xfrm>
+            <a:off x="4936441" y="2424239"/>
+            <a:ext cx="2420279" cy="530635"/>
+          </a:xfrm>
+          <a:prstGeom prst="rect">
+            <a:avLst/>
+          </a:prstGeom>
+          <a:noFill/>
+          <a:ln>
+            <a:noFill/>
+          </a:ln>
+        </p:spPr>
+        <p:txBody>
+          <a:bodyPr vert="horz" wrap="square" lIns="91440" tIns="91440" rIns="91440" bIns="91440" anchor="b" anchorCtr="0" compatLnSpc="1"/>
+          <a:lstStyle/>
+          <a:p>
+            <a:pPr>
+              <a:defRPr sz="1800" b="0" i="0" u="none" strike="noStrike" kern="0" cap="none" spc="0" baseline="0">
+                <a:solidFill>
+                  <a:srgbClr val="000000"/>
+                </a:solidFill>
+                <a:uFillTx/>
+              </a:defRPr>
+            </a:pPr>
+            <a:r>
+              <a:rPr lang="de-DE" sz="2400" b="1">
+                <a:solidFill>
+                  <a:srgbClr val="000000"/>
+                </a:solidFill>
+                <a:latin typeface="Arial"/>
+                <a:ea typeface="Arial"/>
+                <a:cs typeface="DejaVu Sans"/>
+              </a:rPr>
+              <a:t>Cafe / Kirche</a:t>
+            </a:r>
+            <a:endParaRPr lang="de-DE">
+              <a:solidFill>
+                <a:srgbClr val="000000"/>
+              </a:solidFill>
+              <a:latin typeface="Arial"/>
+              <a:ea typeface="DejaVu Sans"/>
+              <a:cs typeface="DejaVu Sans"/>
+            </a:endParaRPr>
+          </a:p>
+        </p:txBody>
+      </p:sp>
+      <p:sp>
+        <p:nvSpPr>
+          <p:cNvPr id="16" name="TextShape 9"/>
+          <p:cNvSpPr txBox="1"/>
+          <p:nvPr/>
+        </p:nvSpPr>
+        <p:spPr>
+          <a:xfrm>
+            <a:off x="7843081" y="2424239"/>
+            <a:ext cx="2249643" cy="530635"/>
+          </a:xfrm>
+          <a:prstGeom prst="rect">
+            <a:avLst/>
+          </a:prstGeom>
+          <a:noFill/>
+          <a:ln>
+            <a:noFill/>
+          </a:ln>
+        </p:spPr>
+        <p:txBody>
+          <a:bodyPr vert="horz" wrap="square" lIns="91440" tIns="91440" rIns="91440" bIns="91440" anchor="b" anchorCtr="0" compatLnSpc="1"/>
+          <a:lstStyle/>
+          <a:p>
+            <a:pPr>
+              <a:defRPr sz="1800" b="0" i="0" u="none" strike="noStrike" kern="0" cap="none" spc="0" baseline="0">
+                <a:solidFill>
+                  <a:srgbClr val="000000"/>
+                </a:solidFill>
+                <a:uFillTx/>
+              </a:defRPr>
+            </a:pPr>
+            <a:r>
+              <a:rPr lang="de-DE" sz="2200" b="1">
+                <a:solidFill>
+                  <a:srgbClr val="000000"/>
+                </a:solidFill>
+                <a:latin typeface="Arial"/>
+                <a:ea typeface="Arial"/>
+                <a:cs typeface="DejaVu Sans"/>
+              </a:rPr>
+              <a:t>Gemeindehaus</a:t>
+            </a:r>
+            <a:endParaRPr lang="de-DE">
+              <a:solidFill>
+                <a:srgbClr val="000000"/>
+              </a:solidFill>
+              <a:latin typeface="Arial"/>
+              <a:ea typeface="DejaVu Sans"/>
+              <a:cs typeface="DejaVu Sans"/>
+            </a:endParaRPr>
+          </a:p>
+        </p:txBody>
+      </p:sp>
+    </p:spTree>
+    <p:extLst>
+      <p:ext uri="{BB962C8B-B14F-4D97-AF65-F5344CB8AC3E}">
+        <p14:creationId xmlns:p14="http://schemas.microsoft.com/office/powerpoint/2010/main" val="2491580647"/>
+      </p:ext>
+    </p:extLst>
+  </p:cSld>
+  <p:clrMapOvr>
+    <a:masterClrMapping/>
+  </p:clrMapOvr>
+  <p:timing>
+    <p:tnLst>
+      <p:par>
+        <p:cTn id="1" dur="indefinite" restart="never" nodeType="tmRoot"/>
+      </p:par>
+    </p:tnLst>
+  </p:timing>
+</p:sld>
+</file>
+
+<file path=ppt/slides/slide12.xml><?xml version="1.0" encoding="utf-8"?>
+<p:sld xmlns:a="http://schemas.openxmlformats.org/drawingml/2006/main" xmlns:r="http://schemas.openxmlformats.org/officeDocument/2006/relationships" xmlns:p="http://schemas.openxmlformats.org/presentationml/2006/main">
+  <p:cSld>
+    <p:spTree>
+      <p:nvGrpSpPr>
+        <p:cNvPr id="1" name=""/>
+        <p:cNvGrpSpPr/>
+        <p:nvPr/>
+      </p:nvGrpSpPr>
+      <p:grpSpPr>
+        <a:xfrm>
+          <a:off x="0" y="0"/>
+          <a:ext cx="0" cy="0"/>
+          <a:chOff x="0" y="0"/>
+          <a:chExt cx="0" cy="0"/>
+        </a:xfrm>
+      </p:grpSpPr>
+      <p:pic>
+        <p:nvPicPr>
+          <p:cNvPr id="17" name="Shape 245"/>
+          <p:cNvPicPr>
+            <a:picLocks noChangeAspect="1"/>
+          </p:cNvPicPr>
+          <p:nvPr/>
+        </p:nvPicPr>
+        <p:blipFill>
+          <a:blip r:embed="rId2" cstate="print"/>
+          <a:stretch>
+            <a:fillRect/>
+          </a:stretch>
+        </p:blipFill>
+        <p:spPr>
+          <a:xfrm>
+            <a:off x="3325442" y="3799799"/>
+            <a:ext cx="5645523" cy="952201"/>
+          </a:xfrm>
+          <a:prstGeom prst="rect">
+            <a:avLst/>
+          </a:prstGeom>
+          <a:noFill/>
+          <a:ln>
+            <a:noFill/>
+          </a:ln>
+        </p:spPr>
+      </p:pic>
+      <p:sp>
+        <p:nvSpPr>
+          <p:cNvPr id="2" name="Titel 1"/>
+          <p:cNvSpPr>
+            <a:spLocks noGrp="1"/>
+          </p:cNvSpPr>
+          <p:nvPr>
+            <p:ph type="title"/>
+          </p:nvPr>
+        </p:nvSpPr>
+        <p:spPr/>
+        <p:txBody>
+          <a:bodyPr/>
+          <a:lstStyle/>
+          <a:p>
+            <a:r>
+              <a:rPr lang="de-DE" dirty="0" smtClean="0"/>
+              <a:t>Funktionsweise des </a:t>
+            </a:r>
+            <a:r>
+              <a:rPr lang="de-DE" dirty="0" err="1" smtClean="0"/>
+              <a:t>Meshings</a:t>
+            </a:r>
+            <a:endParaRPr lang="de-DE" dirty="0"/>
+          </a:p>
+        </p:txBody>
+      </p:sp>
+      <p:sp>
+        <p:nvSpPr>
+          <p:cNvPr id="4" name="Datumsplatzhalter 3"/>
+          <p:cNvSpPr>
+            <a:spLocks noGrp="1"/>
+          </p:cNvSpPr>
+          <p:nvPr>
+            <p:ph type="dt" sz="half" idx="10"/>
+          </p:nvPr>
+        </p:nvSpPr>
+        <p:spPr/>
+        <p:txBody>
+          <a:bodyPr/>
+          <a:lstStyle/>
+          <a:p>
+            <a:r>
+              <a:rPr lang="de-DE" smtClean="0"/>
+              <a:t>24.09.2015</a:t>
+            </a:r>
+            <a:endParaRPr lang="de-DE"/>
+          </a:p>
+        </p:txBody>
+      </p:sp>
+      <p:sp>
+        <p:nvSpPr>
+          <p:cNvPr id="5" name="Foliennummernplatzhalter 4"/>
+          <p:cNvSpPr>
+            <a:spLocks noGrp="1"/>
+          </p:cNvSpPr>
+          <p:nvPr>
+            <p:ph type="sldNum" sz="quarter" idx="12"/>
+          </p:nvPr>
+        </p:nvSpPr>
+        <p:spPr/>
+        <p:txBody>
+          <a:bodyPr/>
+          <a:lstStyle/>
+          <a:p>
+            <a:fld id="{6C6AE60A-B69C-4790-82F7-3882EDF23186}" type="slidenum">
+              <a:rPr lang="de-DE" smtClean="0"/>
+              <a:pPr/>
+              <a:t>12</a:t>
+            </a:fld>
+            <a:endParaRPr lang="de-DE"/>
+          </a:p>
+        </p:txBody>
+      </p:sp>
+      <p:pic>
+        <p:nvPicPr>
+          <p:cNvPr id="6" name="Shape 243"/>
+          <p:cNvPicPr>
+            <a:picLocks noChangeAspect="1"/>
+          </p:cNvPicPr>
+          <p:nvPr/>
+        </p:nvPicPr>
+        <p:blipFill>
+          <a:blip r:embed="rId2" cstate="print"/>
+          <a:srcRect r="12390"/>
+          <a:stretch>
+            <a:fillRect/>
+          </a:stretch>
+        </p:blipFill>
+        <p:spPr>
+          <a:xfrm>
+            <a:off x="5721956" y="3799799"/>
+            <a:ext cx="4946045" cy="952201"/>
+          </a:xfrm>
+          <a:prstGeom prst="rect">
+            <a:avLst/>
+          </a:prstGeom>
+          <a:noFill/>
+          <a:ln>
+            <a:noFill/>
+          </a:ln>
+        </p:spPr>
+      </p:pic>
+      <p:pic>
+        <p:nvPicPr>
+          <p:cNvPr id="7" name="Shape 246"/>
+          <p:cNvPicPr>
+            <a:picLocks noChangeAspect="1"/>
+          </p:cNvPicPr>
+          <p:nvPr/>
+        </p:nvPicPr>
+        <p:blipFill>
+          <a:blip r:embed="rId2" cstate="print"/>
+          <a:srcRect l="19009"/>
+          <a:stretch>
+            <a:fillRect/>
+          </a:stretch>
+        </p:blipFill>
+        <p:spPr>
+          <a:xfrm>
+            <a:off x="1524001" y="3799799"/>
+            <a:ext cx="4572365" cy="952201"/>
+          </a:xfrm>
+          <a:prstGeom prst="rect">
+            <a:avLst/>
+          </a:prstGeom>
+          <a:noFill/>
+          <a:ln>
+            <a:noFill/>
+          </a:ln>
+        </p:spPr>
+      </p:pic>
+      <p:pic>
+        <p:nvPicPr>
+          <p:cNvPr id="8" name="Shape 247"/>
+          <p:cNvPicPr>
+            <a:picLocks noChangeAspect="1"/>
+          </p:cNvPicPr>
+          <p:nvPr/>
+        </p:nvPicPr>
+        <p:blipFill>
+          <a:blip r:embed="rId3" cstate="print"/>
+          <a:stretch>
+            <a:fillRect/>
+          </a:stretch>
+        </p:blipFill>
+        <p:spPr>
+          <a:xfrm>
+            <a:off x="2144996" y="3022924"/>
+            <a:ext cx="2257196" cy="1752118"/>
+          </a:xfrm>
+          <a:prstGeom prst="rect">
+            <a:avLst/>
+          </a:prstGeom>
+          <a:noFill/>
+          <a:ln>
+            <a:noFill/>
+          </a:ln>
+        </p:spPr>
+      </p:pic>
+      <p:pic>
+        <p:nvPicPr>
+          <p:cNvPr id="9" name="Shape 248"/>
+          <p:cNvPicPr>
+            <a:picLocks noChangeAspect="1"/>
+          </p:cNvPicPr>
+          <p:nvPr/>
+        </p:nvPicPr>
+        <p:blipFill>
+          <a:blip r:embed="rId3" cstate="print"/>
+          <a:stretch>
+            <a:fillRect/>
+          </a:stretch>
+        </p:blipFill>
+        <p:spPr>
+          <a:xfrm>
+            <a:off x="4871280" y="3022924"/>
+            <a:ext cx="2257196" cy="1752118"/>
+          </a:xfrm>
+          <a:prstGeom prst="rect">
+            <a:avLst/>
+          </a:prstGeom>
+          <a:noFill/>
+          <a:ln>
+            <a:noFill/>
+          </a:ln>
+        </p:spPr>
+      </p:pic>
+      <p:pic>
+        <p:nvPicPr>
+          <p:cNvPr id="10" name="Shape 249"/>
+          <p:cNvPicPr>
+            <a:picLocks noChangeAspect="1"/>
+          </p:cNvPicPr>
+          <p:nvPr/>
+        </p:nvPicPr>
+        <p:blipFill>
+          <a:blip r:embed="rId3" cstate="print"/>
+          <a:stretch>
+            <a:fillRect/>
+          </a:stretch>
+        </p:blipFill>
+        <p:spPr>
+          <a:xfrm>
+            <a:off x="7765676" y="3022924"/>
+            <a:ext cx="2257196" cy="1752118"/>
+          </a:xfrm>
+          <a:prstGeom prst="rect">
+            <a:avLst/>
+          </a:prstGeom>
+          <a:noFill/>
+          <a:ln>
+            <a:noFill/>
+          </a:ln>
+        </p:spPr>
+      </p:pic>
+      <p:sp>
+        <p:nvSpPr>
+          <p:cNvPr id="11" name="TextShape 4"/>
+          <p:cNvSpPr txBox="1"/>
+          <p:nvPr/>
+        </p:nvSpPr>
+        <p:spPr>
+          <a:xfrm>
+            <a:off x="1981200" y="2424239"/>
+            <a:ext cx="2296886" cy="530635"/>
+          </a:xfrm>
+          <a:prstGeom prst="rect">
+            <a:avLst/>
+          </a:prstGeom>
+          <a:noFill/>
+          <a:ln>
+            <a:noFill/>
+          </a:ln>
+        </p:spPr>
+        <p:txBody>
+          <a:bodyPr vert="horz" wrap="square" lIns="91440" tIns="91440" rIns="91440" bIns="91440" anchor="b" anchorCtr="0" compatLnSpc="1"/>
+          <a:lstStyle/>
+          <a:p>
+            <a:pPr>
+              <a:defRPr sz="1800" b="0" i="0" u="none" strike="noStrike" kern="0" cap="none" spc="0" baseline="0">
+                <a:solidFill>
+                  <a:srgbClr val="000000"/>
+                </a:solidFill>
+                <a:uFillTx/>
+              </a:defRPr>
+            </a:pPr>
+            <a:r>
+              <a:rPr lang="de-DE" sz="2400" b="1" dirty="0" smtClean="0">
+                <a:solidFill>
+                  <a:srgbClr val="000000"/>
+                </a:solidFill>
+                <a:latin typeface="Arial"/>
+                <a:ea typeface="Arial"/>
+                <a:cs typeface="DejaVu Sans"/>
+              </a:rPr>
+              <a:t>Familie Meier</a:t>
+            </a:r>
+            <a:endParaRPr lang="de-DE" dirty="0">
+              <a:solidFill>
+                <a:srgbClr val="000000"/>
+              </a:solidFill>
+              <a:latin typeface="Arial"/>
+              <a:ea typeface="DejaVu Sans"/>
+              <a:cs typeface="DejaVu Sans"/>
+            </a:endParaRPr>
+          </a:p>
+        </p:txBody>
+      </p:sp>
+      <p:pic>
+        <p:nvPicPr>
+          <p:cNvPr id="12" name="Shape 258"/>
+          <p:cNvPicPr>
+            <a:picLocks noChangeAspect="1"/>
+          </p:cNvPicPr>
+          <p:nvPr/>
+        </p:nvPicPr>
+        <p:blipFill>
+          <a:blip r:embed="rId4" cstate="print"/>
+          <a:stretch>
+            <a:fillRect/>
+          </a:stretch>
+        </p:blipFill>
+        <p:spPr>
+          <a:xfrm>
+            <a:off x="2360282" y="3956398"/>
+            <a:ext cx="1266480" cy="818644"/>
+          </a:xfrm>
+          <a:prstGeom prst="rect">
+            <a:avLst/>
+          </a:prstGeom>
+          <a:noFill/>
+          <a:ln>
+            <a:noFill/>
+          </a:ln>
+        </p:spPr>
+      </p:pic>
+      <p:pic>
+        <p:nvPicPr>
+          <p:cNvPr id="13" name="Shape 262"/>
+          <p:cNvPicPr>
+            <a:picLocks noChangeAspect="1"/>
+          </p:cNvPicPr>
+          <p:nvPr/>
+        </p:nvPicPr>
+        <p:blipFill>
+          <a:blip r:embed="rId5" cstate="print"/>
+          <a:stretch>
+            <a:fillRect/>
+          </a:stretch>
+        </p:blipFill>
+        <p:spPr>
+          <a:xfrm>
+            <a:off x="5184481" y="3956399"/>
+            <a:ext cx="1142643" cy="504355"/>
+          </a:xfrm>
+          <a:prstGeom prst="rect">
+            <a:avLst/>
+          </a:prstGeom>
+          <a:noFill/>
+          <a:ln>
+            <a:noFill/>
+          </a:ln>
+        </p:spPr>
+      </p:pic>
+      <p:pic>
+        <p:nvPicPr>
+          <p:cNvPr id="14" name="Shape 263"/>
+          <p:cNvPicPr>
+            <a:picLocks noChangeAspect="1"/>
+          </p:cNvPicPr>
+          <p:nvPr/>
+        </p:nvPicPr>
+        <p:blipFill>
+          <a:blip r:embed="rId5" cstate="print"/>
+          <a:stretch>
+            <a:fillRect/>
+          </a:stretch>
+        </p:blipFill>
+        <p:spPr>
+          <a:xfrm>
+            <a:off x="8094001" y="3956399"/>
+            <a:ext cx="1142643" cy="504355"/>
+          </a:xfrm>
+          <a:prstGeom prst="rect">
+            <a:avLst/>
+          </a:prstGeom>
+          <a:noFill/>
+          <a:ln>
+            <a:noFill/>
+          </a:ln>
+        </p:spPr>
+      </p:pic>
+      <p:sp>
+        <p:nvSpPr>
+          <p:cNvPr id="15" name="TextShape 8"/>
+          <p:cNvSpPr txBox="1"/>
+          <p:nvPr/>
+        </p:nvSpPr>
+        <p:spPr>
+          <a:xfrm>
+            <a:off x="4936441" y="2424239"/>
+            <a:ext cx="2420279" cy="530635"/>
+          </a:xfrm>
+          <a:prstGeom prst="rect">
+            <a:avLst/>
+          </a:prstGeom>
+          <a:noFill/>
+          <a:ln>
+            <a:noFill/>
+          </a:ln>
+        </p:spPr>
+        <p:txBody>
+          <a:bodyPr vert="horz" wrap="square" lIns="91440" tIns="91440" rIns="91440" bIns="91440" anchor="b" anchorCtr="0" compatLnSpc="1"/>
+          <a:lstStyle/>
+          <a:p>
+            <a:pPr>
+              <a:defRPr sz="1800" b="0" i="0" u="none" strike="noStrike" kern="0" cap="none" spc="0" baseline="0">
+                <a:solidFill>
+                  <a:srgbClr val="000000"/>
+                </a:solidFill>
+                <a:uFillTx/>
+              </a:defRPr>
+            </a:pPr>
+            <a:r>
+              <a:rPr lang="de-DE" sz="2400" b="1" dirty="0">
+                <a:solidFill>
+                  <a:srgbClr val="000000"/>
+                </a:solidFill>
+                <a:latin typeface="Arial"/>
+                <a:ea typeface="Arial"/>
+                <a:cs typeface="DejaVu Sans"/>
+              </a:rPr>
+              <a:t>Cafe / Kirche</a:t>
+            </a:r>
+            <a:endParaRPr lang="de-DE" dirty="0">
+              <a:solidFill>
+                <a:srgbClr val="000000"/>
+              </a:solidFill>
+              <a:latin typeface="Arial"/>
+              <a:ea typeface="DejaVu Sans"/>
+              <a:cs typeface="DejaVu Sans"/>
+            </a:endParaRPr>
+          </a:p>
+        </p:txBody>
+      </p:sp>
+      <p:sp>
+        <p:nvSpPr>
+          <p:cNvPr id="16" name="TextShape 9"/>
+          <p:cNvSpPr txBox="1"/>
+          <p:nvPr/>
+        </p:nvSpPr>
+        <p:spPr>
+          <a:xfrm>
+            <a:off x="7843081" y="2424239"/>
+            <a:ext cx="2249643" cy="530635"/>
+          </a:xfrm>
+          <a:prstGeom prst="rect">
+            <a:avLst/>
+          </a:prstGeom>
+          <a:noFill/>
+          <a:ln>
+            <a:noFill/>
+          </a:ln>
+        </p:spPr>
+        <p:txBody>
+          <a:bodyPr vert="horz" wrap="square" lIns="91440" tIns="91440" rIns="91440" bIns="91440" anchor="b" anchorCtr="0" compatLnSpc="1"/>
+          <a:lstStyle/>
+          <a:p>
+            <a:pPr>
+              <a:defRPr sz="1800" b="0" i="0" u="none" strike="noStrike" kern="0" cap="none" spc="0" baseline="0">
+                <a:solidFill>
+                  <a:srgbClr val="000000"/>
+                </a:solidFill>
+                <a:uFillTx/>
+              </a:defRPr>
+            </a:pPr>
+            <a:r>
+              <a:rPr lang="de-DE" sz="2200" b="1">
+                <a:solidFill>
+                  <a:srgbClr val="000000"/>
+                </a:solidFill>
+                <a:latin typeface="Arial"/>
+                <a:ea typeface="Arial"/>
+                <a:cs typeface="DejaVu Sans"/>
+              </a:rPr>
+              <a:t>Gemeindehaus</a:t>
+            </a:r>
+            <a:endParaRPr lang="de-DE">
+              <a:solidFill>
+                <a:srgbClr val="000000"/>
+              </a:solidFill>
+              <a:latin typeface="Arial"/>
+              <a:ea typeface="DejaVu Sans"/>
+              <a:cs typeface="DejaVu Sans"/>
+            </a:endParaRPr>
+          </a:p>
+        </p:txBody>
+      </p:sp>
+    </p:spTree>
+    <p:extLst>
+      <p:ext uri="{BB962C8B-B14F-4D97-AF65-F5344CB8AC3E}">
+        <p14:creationId xmlns:p14="http://schemas.microsoft.com/office/powerpoint/2010/main" val="1526433508"/>
+      </p:ext>
+    </p:extLst>
+  </p:cSld>
+  <p:clrMapOvr>
+    <a:masterClrMapping/>
+  </p:clrMapOvr>
+  <p:timing>
+    <p:tnLst>
+      <p:par>
+        <p:cTn id="1" dur="indefinite" restart="never" nodeType="tmRoot"/>
+      </p:par>
+    </p:tnLst>
+  </p:timing>
+</p:sld>
+</file>
+
+<file path=ppt/slides/slide13.xml><?xml version="1.0" encoding="utf-8"?>
+<p:sld xmlns:a="http://schemas.openxmlformats.org/drawingml/2006/main" xmlns:r="http://schemas.openxmlformats.org/officeDocument/2006/relationships" xmlns:p="http://schemas.openxmlformats.org/presentationml/2006/main">
+  <p:cSld>
+    <p:spTree>
+      <p:nvGrpSpPr>
+        <p:cNvPr id="1" name=""/>
+        <p:cNvGrpSpPr/>
+        <p:nvPr/>
+      </p:nvGrpSpPr>
+      <p:grpSpPr>
+        <a:xfrm>
+          <a:off x="0" y="0"/>
+          <a:ext cx="0" cy="0"/>
+          <a:chOff x="0" y="0"/>
+          <a:chExt cx="0" cy="0"/>
+        </a:xfrm>
+      </p:grpSpPr>
+      <p:sp>
+        <p:nvSpPr>
+          <p:cNvPr id="2" name="Titel 1"/>
+          <p:cNvSpPr>
+            <a:spLocks noGrp="1"/>
+          </p:cNvSpPr>
+          <p:nvPr>
+            <p:ph type="title"/>
+          </p:nvPr>
+        </p:nvSpPr>
+        <p:spPr/>
+        <p:txBody>
+          <a:bodyPr/>
+          <a:lstStyle/>
+          <a:p>
+            <a:r>
+              <a:rPr lang="de-DE" dirty="0" smtClean="0"/>
+              <a:t>Aktueller Stand</a:t>
+            </a:r>
+            <a:endParaRPr lang="de-DE" dirty="0"/>
+          </a:p>
+        </p:txBody>
+      </p:sp>
+      <p:pic>
+        <p:nvPicPr>
+          <p:cNvPr id="6" name="Inhaltsplatzhalter 5"/>
+          <p:cNvPicPr>
+            <a:picLocks noGrp="1" noChangeAspect="1"/>
+          </p:cNvPicPr>
+          <p:nvPr>
+            <p:ph sz="half" idx="1"/>
+          </p:nvPr>
+        </p:nvPicPr>
+        <p:blipFill>
+          <a:blip r:embed="rId2">
+            <a:extLst>
+              <a:ext uri="{28A0092B-C50C-407E-A947-70E740481C1C}">
+                <a14:useLocalDpi xmlns:a14="http://schemas.microsoft.com/office/drawing/2010/main" val="0"/>
+              </a:ext>
+            </a:extLst>
+          </a:blip>
+          <a:stretch>
+            <a:fillRect/>
+          </a:stretch>
+        </p:blipFill>
+        <p:spPr>
+          <a:xfrm>
+            <a:off x="838200" y="2448165"/>
+            <a:ext cx="5181600" cy="3106258"/>
+          </a:xfrm>
+        </p:spPr>
+      </p:pic>
+      <p:sp>
+        <p:nvSpPr>
+          <p:cNvPr id="5" name="Inhaltsplatzhalter 4"/>
+          <p:cNvSpPr>
+            <a:spLocks noGrp="1"/>
+          </p:cNvSpPr>
+          <p:nvPr>
+            <p:ph sz="half" idx="2"/>
+          </p:nvPr>
+        </p:nvSpPr>
+        <p:spPr/>
+        <p:txBody>
+          <a:bodyPr/>
+          <a:lstStyle/>
+          <a:p>
+            <a:r>
+              <a:rPr lang="de-DE" dirty="0" smtClean="0"/>
+              <a:t>Münsterland</a:t>
+            </a:r>
+          </a:p>
+          <a:p>
+            <a:pPr lvl="1"/>
+            <a:r>
+              <a:rPr lang="de-DE" dirty="0" smtClean="0"/>
+              <a:t>1500 Zugangspunkte</a:t>
+            </a:r>
+          </a:p>
+          <a:p>
+            <a:r>
+              <a:rPr lang="de-DE" dirty="0" err="1" smtClean="0"/>
+              <a:t>Schöppingen</a:t>
+            </a:r>
+            <a:endParaRPr lang="de-DE" dirty="0" smtClean="0"/>
+          </a:p>
+          <a:p>
+            <a:pPr lvl="1"/>
+            <a:r>
+              <a:rPr lang="de-DE" dirty="0" smtClean="0"/>
+              <a:t>3 Zugangspunkte</a:t>
+            </a:r>
+            <a:endParaRPr lang="de-DE" dirty="0"/>
+          </a:p>
+        </p:txBody>
+      </p:sp>
+    </p:spTree>
+    <p:extLst>
+      <p:ext uri="{BB962C8B-B14F-4D97-AF65-F5344CB8AC3E}">
+        <p14:creationId xmlns:p14="http://schemas.microsoft.com/office/powerpoint/2010/main" val="278150529"/>
+      </p:ext>
+    </p:extLst>
+  </p:cSld>
+  <p:clrMapOvr>
+    <a:masterClrMapping/>
+  </p:clrMapOvr>
+  <p:timing>
+    <p:tnLst>
+      <p:par>
+        <p:cTn id="1" dur="indefinite" restart="never" nodeType="tmRoot"/>
+      </p:par>
+    </p:tnLst>
+  </p:timing>
+</p:sld>
+</file>
+
+<file path=ppt/slides/slide14.xml><?xml version="1.0" encoding="utf-8"?>
+<p:sld xmlns:a="http://schemas.openxmlformats.org/drawingml/2006/main" xmlns:r="http://schemas.openxmlformats.org/officeDocument/2006/relationships" xmlns:p="http://schemas.openxmlformats.org/presentationml/2006/main">
+  <p:cSld>
+    <p:spTree>
+      <p:nvGrpSpPr>
+        <p:cNvPr id="1" name=""/>
+        <p:cNvGrpSpPr/>
+        <p:nvPr/>
+      </p:nvGrpSpPr>
+      <p:grpSpPr>
+        <a:xfrm>
+          <a:off x="0" y="0"/>
+          <a:ext cx="0" cy="0"/>
+          <a:chOff x="0" y="0"/>
+          <a:chExt cx="0" cy="0"/>
+        </a:xfrm>
+      </p:grpSpPr>
       <p:sp>
         <p:nvSpPr>
           <p:cNvPr id="5" name="Titel 4"/>
@@ -3301,7 +4706,7 @@
 </p:sld>
 </file>
 
-<file path=ppt/slides/slide12.xml><?xml version="1.0" encoding="utf-8"?>
+<file path=ppt/slides/slide15.xml><?xml version="1.0" encoding="utf-8"?>
 <p:sld xmlns:a="http://schemas.openxmlformats.org/drawingml/2006/main" xmlns:r="http://schemas.openxmlformats.org/officeDocument/2006/relationships" xmlns:p="http://schemas.openxmlformats.org/presentationml/2006/main">
   <p:cSld>
     <p:spTree>
@@ -3664,7 +5069,7 @@
 </p:sld>
 </file>
 
-<file path=ppt/slides/slide13.xml><?xml version="1.0" encoding="utf-8"?>
+<file path=ppt/slides/slide16.xml><?xml version="1.0" encoding="utf-8"?>
 <p:sld xmlns:a="http://schemas.openxmlformats.org/drawingml/2006/main" xmlns:r="http://schemas.openxmlformats.org/officeDocument/2006/relationships" xmlns:p="http://schemas.openxmlformats.org/presentationml/2006/main">
   <p:cSld>
     <p:spTree>
@@ -3743,7 +5148,7 @@
 </p:sld>
 </file>
 
-<file path=ppt/slides/slide14.xml><?xml version="1.0" encoding="utf-8"?>
+<file path=ppt/slides/slide17.xml><?xml version="1.0" encoding="utf-8"?>
 <p:sld xmlns:a="http://schemas.openxmlformats.org/drawingml/2006/main" xmlns:r="http://schemas.openxmlformats.org/officeDocument/2006/relationships" xmlns:p="http://schemas.openxmlformats.org/presentationml/2006/main">
   <p:cSld>
     <p:spTree>

--- a/Vorträge/2016-03-01 Präsentation Schöppingen.pptx
+++ b/Vorträge/2016-03-01 Präsentation Schöppingen.pptx
@@ -6,22 +6,21 @@
   </p:sldMasterIdLst>
   <p:sldIdLst>
     <p:sldId id="256" r:id="rId2"/>
-    <p:sldId id="257" r:id="rId3"/>
-    <p:sldId id="270" r:id="rId4"/>
-    <p:sldId id="258" r:id="rId5"/>
-    <p:sldId id="259" r:id="rId6"/>
-    <p:sldId id="260" r:id="rId7"/>
-    <p:sldId id="261" r:id="rId8"/>
-    <p:sldId id="262" r:id="rId9"/>
-    <p:sldId id="263" r:id="rId10"/>
-    <p:sldId id="272" r:id="rId11"/>
-    <p:sldId id="273" r:id="rId12"/>
-    <p:sldId id="274" r:id="rId13"/>
-    <p:sldId id="264" r:id="rId14"/>
-    <p:sldId id="267" r:id="rId15"/>
-    <p:sldId id="268" r:id="rId16"/>
-    <p:sldId id="269" r:id="rId17"/>
-    <p:sldId id="271" r:id="rId18"/>
+    <p:sldId id="270" r:id="rId3"/>
+    <p:sldId id="258" r:id="rId4"/>
+    <p:sldId id="259" r:id="rId5"/>
+    <p:sldId id="260" r:id="rId6"/>
+    <p:sldId id="261" r:id="rId7"/>
+    <p:sldId id="262" r:id="rId8"/>
+    <p:sldId id="263" r:id="rId9"/>
+    <p:sldId id="272" r:id="rId10"/>
+    <p:sldId id="273" r:id="rId11"/>
+    <p:sldId id="274" r:id="rId12"/>
+    <p:sldId id="264" r:id="rId13"/>
+    <p:sldId id="267" r:id="rId14"/>
+    <p:sldId id="268" r:id="rId15"/>
+    <p:sldId id="269" r:id="rId16"/>
+    <p:sldId id="271" r:id="rId17"/>
   </p:sldIdLst>
   <p:sldSz cx="12192000" cy="6858000"/>
   <p:notesSz cx="6858000" cy="9144000"/>
@@ -259,7 +258,7 @@
           <a:p>
             <a:fld id="{01AB24ED-2B1D-41B7-A7DF-23D39F85CE93}" type="datetimeFigureOut">
               <a:rPr lang="de-DE" smtClean="0"/>
-              <a:t>28.02.2016</a:t>
+              <a:t>01.03.2016</a:t>
             </a:fld>
             <a:endParaRPr lang="de-DE"/>
           </a:p>
@@ -429,7 +428,7 @@
           <a:p>
             <a:fld id="{01AB24ED-2B1D-41B7-A7DF-23D39F85CE93}" type="datetimeFigureOut">
               <a:rPr lang="de-DE" smtClean="0"/>
-              <a:t>28.02.2016</a:t>
+              <a:t>01.03.2016</a:t>
             </a:fld>
             <a:endParaRPr lang="de-DE"/>
           </a:p>
@@ -609,7 +608,7 @@
           <a:p>
             <a:fld id="{01AB24ED-2B1D-41B7-A7DF-23D39F85CE93}" type="datetimeFigureOut">
               <a:rPr lang="de-DE" smtClean="0"/>
-              <a:t>28.02.2016</a:t>
+              <a:t>01.03.2016</a:t>
             </a:fld>
             <a:endParaRPr lang="de-DE"/>
           </a:p>
@@ -779,7 +778,7 @@
           <a:p>
             <a:fld id="{01AB24ED-2B1D-41B7-A7DF-23D39F85CE93}" type="datetimeFigureOut">
               <a:rPr lang="de-DE" smtClean="0"/>
-              <a:t>28.02.2016</a:t>
+              <a:t>01.03.2016</a:t>
             </a:fld>
             <a:endParaRPr lang="de-DE"/>
           </a:p>
@@ -1025,7 +1024,7 @@
           <a:p>
             <a:fld id="{01AB24ED-2B1D-41B7-A7DF-23D39F85CE93}" type="datetimeFigureOut">
               <a:rPr lang="de-DE" smtClean="0"/>
-              <a:t>28.02.2016</a:t>
+              <a:t>01.03.2016</a:t>
             </a:fld>
             <a:endParaRPr lang="de-DE"/>
           </a:p>
@@ -1257,7 +1256,7 @@
           <a:p>
             <a:fld id="{01AB24ED-2B1D-41B7-A7DF-23D39F85CE93}" type="datetimeFigureOut">
               <a:rPr lang="de-DE" smtClean="0"/>
-              <a:t>28.02.2016</a:t>
+              <a:t>01.03.2016</a:t>
             </a:fld>
             <a:endParaRPr lang="de-DE"/>
           </a:p>
@@ -1624,7 +1623,7 @@
           <a:p>
             <a:fld id="{01AB24ED-2B1D-41B7-A7DF-23D39F85CE93}" type="datetimeFigureOut">
               <a:rPr lang="de-DE" smtClean="0"/>
-              <a:t>28.02.2016</a:t>
+              <a:t>01.03.2016</a:t>
             </a:fld>
             <a:endParaRPr lang="de-DE"/>
           </a:p>
@@ -1742,7 +1741,7 @@
           <a:p>
             <a:fld id="{01AB24ED-2B1D-41B7-A7DF-23D39F85CE93}" type="datetimeFigureOut">
               <a:rPr lang="de-DE" smtClean="0"/>
-              <a:t>28.02.2016</a:t>
+              <a:t>01.03.2016</a:t>
             </a:fld>
             <a:endParaRPr lang="de-DE"/>
           </a:p>
@@ -1837,7 +1836,7 @@
           <a:p>
             <a:fld id="{01AB24ED-2B1D-41B7-A7DF-23D39F85CE93}" type="datetimeFigureOut">
               <a:rPr lang="de-DE" smtClean="0"/>
-              <a:t>28.02.2016</a:t>
+              <a:t>01.03.2016</a:t>
             </a:fld>
             <a:endParaRPr lang="de-DE"/>
           </a:p>
@@ -2114,7 +2113,7 @@
           <a:p>
             <a:fld id="{01AB24ED-2B1D-41B7-A7DF-23D39F85CE93}" type="datetimeFigureOut">
               <a:rPr lang="de-DE" smtClean="0"/>
-              <a:t>28.02.2016</a:t>
+              <a:t>01.03.2016</a:t>
             </a:fld>
             <a:endParaRPr lang="de-DE"/>
           </a:p>
@@ -2367,7 +2366,7 @@
           <a:p>
             <a:fld id="{01AB24ED-2B1D-41B7-A7DF-23D39F85CE93}" type="datetimeFigureOut">
               <a:rPr lang="de-DE" smtClean="0"/>
-              <a:t>28.02.2016</a:t>
+              <a:t>01.03.2016</a:t>
             </a:fld>
             <a:endParaRPr lang="de-DE"/>
           </a:p>
@@ -2580,7 +2579,7 @@
           <a:p>
             <a:fld id="{01AB24ED-2B1D-41B7-A7DF-23D39F85CE93}" type="datetimeFigureOut">
               <a:rPr lang="de-DE" smtClean="0"/>
-              <a:t>28.02.2016</a:t>
+              <a:t>01.03.2016</a:t>
             </a:fld>
             <a:endParaRPr lang="de-DE"/>
           </a:p>
@@ -3082,6 +3081,34 @@
           <a:chExt cx="0" cy="0"/>
         </a:xfrm>
       </p:grpSpPr>
+      <p:pic>
+        <p:nvPicPr>
+          <p:cNvPr id="17" name="Shape 245"/>
+          <p:cNvPicPr>
+            <a:picLocks noChangeAspect="1"/>
+          </p:cNvPicPr>
+          <p:nvPr/>
+        </p:nvPicPr>
+        <p:blipFill>
+          <a:blip r:embed="rId2" cstate="print"/>
+          <a:stretch>
+            <a:fillRect/>
+          </a:stretch>
+        </p:blipFill>
+        <p:spPr>
+          <a:xfrm>
+            <a:off x="3325442" y="3799799"/>
+            <a:ext cx="5645523" cy="952201"/>
+          </a:xfrm>
+          <a:prstGeom prst="rect">
+            <a:avLst/>
+          </a:prstGeom>
+          <a:noFill/>
+          <a:ln>
+            <a:noFill/>
+          </a:ln>
+        </p:spPr>
+      </p:pic>
       <p:sp>
         <p:nvSpPr>
           <p:cNvPr id="2" name="Titel 1"/>
@@ -3277,8 +3304,8 @@
         </p:nvSpPr>
         <p:spPr>
           <a:xfrm>
-            <a:off x="1981200" y="2424239"/>
-            <a:ext cx="2170584" cy="530635"/>
+            <a:off x="1981199" y="2424239"/>
+            <a:ext cx="2117271" cy="530635"/>
           </a:xfrm>
           <a:prstGeom prst="rect">
             <a:avLst/>
@@ -3301,7 +3328,7 @@
               </a:defRPr>
             </a:pPr>
             <a:r>
-              <a:rPr lang="de-DE" sz="2400" b="1" dirty="0">
+              <a:rPr lang="de-DE" sz="2400" b="1" dirty="0" smtClean="0">
                 <a:solidFill>
                   <a:srgbClr val="000000"/>
                 </a:solidFill>
@@ -3350,6 +3377,34 @@
           </a:ln>
         </p:spPr>
       </p:pic>
+      <p:pic>
+        <p:nvPicPr>
+          <p:cNvPr id="13" name="Shape 262"/>
+          <p:cNvPicPr>
+            <a:picLocks noChangeAspect="1"/>
+          </p:cNvPicPr>
+          <p:nvPr/>
+        </p:nvPicPr>
+        <p:blipFill>
+          <a:blip r:embed="rId5" cstate="print"/>
+          <a:stretch>
+            <a:fillRect/>
+          </a:stretch>
+        </p:blipFill>
+        <p:spPr>
+          <a:xfrm>
+            <a:off x="5184481" y="3956399"/>
+            <a:ext cx="1142643" cy="504355"/>
+          </a:xfrm>
+          <a:prstGeom prst="rect">
+            <a:avLst/>
+          </a:prstGeom>
+          <a:noFill/>
+          <a:ln>
+            <a:noFill/>
+          </a:ln>
+        </p:spPr>
+      </p:pic>
       <p:sp>
         <p:nvSpPr>
           <p:cNvPr id="15" name="TextShape 8"/>
@@ -3382,7 +3437,7 @@
               </a:defRPr>
             </a:pPr>
             <a:r>
-              <a:rPr lang="de-DE" sz="2400" b="1" dirty="0">
+              <a:rPr lang="de-DE" sz="2400" b="1">
                 <a:solidFill>
                   <a:srgbClr val="000000"/>
                 </a:solidFill>
@@ -3392,7 +3447,7 @@
               </a:rPr>
               <a:t>Cafe / Kirche</a:t>
             </a:r>
-            <a:endParaRPr lang="de-DE" dirty="0">
+            <a:endParaRPr lang="de-DE">
               <a:solidFill>
                 <a:srgbClr val="000000"/>
               </a:solidFill>
@@ -3459,7 +3514,7 @@
     </p:spTree>
     <p:extLst>
       <p:ext uri="{BB962C8B-B14F-4D97-AF65-F5344CB8AC3E}">
-        <p14:creationId xmlns:p14="http://schemas.microsoft.com/office/powerpoint/2010/main" val="3249870720"/>
+        <p14:creationId xmlns:p14="http://schemas.microsoft.com/office/powerpoint/2010/main" val="2491580647"/>
       </p:ext>
     </p:extLst>
   </p:cSld>
@@ -3590,473 +3645,6 @@
               <a:rPr lang="de-DE" smtClean="0"/>
               <a:pPr/>
               <a:t>11</a:t>
-            </a:fld>
-            <a:endParaRPr lang="de-DE"/>
-          </a:p>
-        </p:txBody>
-      </p:sp>
-      <p:pic>
-        <p:nvPicPr>
-          <p:cNvPr id="7" name="Shape 246"/>
-          <p:cNvPicPr>
-            <a:picLocks noChangeAspect="1"/>
-          </p:cNvPicPr>
-          <p:nvPr/>
-        </p:nvPicPr>
-        <p:blipFill>
-          <a:blip r:embed="rId2" cstate="print"/>
-          <a:srcRect l="19009"/>
-          <a:stretch>
-            <a:fillRect/>
-          </a:stretch>
-        </p:blipFill>
-        <p:spPr>
-          <a:xfrm>
-            <a:off x="1524001" y="3799799"/>
-            <a:ext cx="4572365" cy="952201"/>
-          </a:xfrm>
-          <a:prstGeom prst="rect">
-            <a:avLst/>
-          </a:prstGeom>
-          <a:noFill/>
-          <a:ln>
-            <a:noFill/>
-          </a:ln>
-        </p:spPr>
-      </p:pic>
-      <p:pic>
-        <p:nvPicPr>
-          <p:cNvPr id="8" name="Shape 247"/>
-          <p:cNvPicPr>
-            <a:picLocks noChangeAspect="1"/>
-          </p:cNvPicPr>
-          <p:nvPr/>
-        </p:nvPicPr>
-        <p:blipFill>
-          <a:blip r:embed="rId3" cstate="print"/>
-          <a:stretch>
-            <a:fillRect/>
-          </a:stretch>
-        </p:blipFill>
-        <p:spPr>
-          <a:xfrm>
-            <a:off x="2144996" y="3022924"/>
-            <a:ext cx="2257196" cy="1752118"/>
-          </a:xfrm>
-          <a:prstGeom prst="rect">
-            <a:avLst/>
-          </a:prstGeom>
-          <a:noFill/>
-          <a:ln>
-            <a:noFill/>
-          </a:ln>
-        </p:spPr>
-      </p:pic>
-      <p:pic>
-        <p:nvPicPr>
-          <p:cNvPr id="9" name="Shape 248"/>
-          <p:cNvPicPr>
-            <a:picLocks noChangeAspect="1"/>
-          </p:cNvPicPr>
-          <p:nvPr/>
-        </p:nvPicPr>
-        <p:blipFill>
-          <a:blip r:embed="rId3" cstate="print"/>
-          <a:stretch>
-            <a:fillRect/>
-          </a:stretch>
-        </p:blipFill>
-        <p:spPr>
-          <a:xfrm>
-            <a:off x="4871280" y="3022924"/>
-            <a:ext cx="2257196" cy="1752118"/>
-          </a:xfrm>
-          <a:prstGeom prst="rect">
-            <a:avLst/>
-          </a:prstGeom>
-          <a:noFill/>
-          <a:ln>
-            <a:noFill/>
-          </a:ln>
-        </p:spPr>
-      </p:pic>
-      <p:pic>
-        <p:nvPicPr>
-          <p:cNvPr id="10" name="Shape 249"/>
-          <p:cNvPicPr>
-            <a:picLocks noChangeAspect="1"/>
-          </p:cNvPicPr>
-          <p:nvPr/>
-        </p:nvPicPr>
-        <p:blipFill>
-          <a:blip r:embed="rId3" cstate="print"/>
-          <a:stretch>
-            <a:fillRect/>
-          </a:stretch>
-        </p:blipFill>
-        <p:spPr>
-          <a:xfrm>
-            <a:off x="7765676" y="3022924"/>
-            <a:ext cx="2257196" cy="1752118"/>
-          </a:xfrm>
-          <a:prstGeom prst="rect">
-            <a:avLst/>
-          </a:prstGeom>
-          <a:noFill/>
-          <a:ln>
-            <a:noFill/>
-          </a:ln>
-        </p:spPr>
-      </p:pic>
-      <p:sp>
-        <p:nvSpPr>
-          <p:cNvPr id="11" name="TextShape 4"/>
-          <p:cNvSpPr txBox="1"/>
-          <p:nvPr/>
-        </p:nvSpPr>
-        <p:spPr>
-          <a:xfrm>
-            <a:off x="1981199" y="2424239"/>
-            <a:ext cx="2117271" cy="530635"/>
-          </a:xfrm>
-          <a:prstGeom prst="rect">
-            <a:avLst/>
-          </a:prstGeom>
-          <a:noFill/>
-          <a:ln>
-            <a:noFill/>
-          </a:ln>
-        </p:spPr>
-        <p:txBody>
-          <a:bodyPr vert="horz" wrap="square" lIns="91440" tIns="91440" rIns="91440" bIns="91440" anchor="b" anchorCtr="0" compatLnSpc="1"/>
-          <a:lstStyle/>
-          <a:p>
-            <a:pPr>
-              <a:defRPr sz="1800" b="0" i="0" u="none" strike="noStrike" kern="0" cap="none" spc="0" baseline="0">
-                <a:solidFill>
-                  <a:srgbClr val="000000"/>
-                </a:solidFill>
-                <a:uFillTx/>
-              </a:defRPr>
-            </a:pPr>
-            <a:r>
-              <a:rPr lang="de-DE" sz="2400" b="1" dirty="0" smtClean="0">
-                <a:solidFill>
-                  <a:srgbClr val="000000"/>
-                </a:solidFill>
-                <a:latin typeface="Arial"/>
-                <a:ea typeface="Arial"/>
-                <a:cs typeface="DejaVu Sans"/>
-              </a:rPr>
-              <a:t>Familie Meier</a:t>
-            </a:r>
-            <a:endParaRPr lang="de-DE" dirty="0">
-              <a:solidFill>
-                <a:srgbClr val="000000"/>
-              </a:solidFill>
-              <a:latin typeface="Arial"/>
-              <a:ea typeface="DejaVu Sans"/>
-              <a:cs typeface="DejaVu Sans"/>
-            </a:endParaRPr>
-          </a:p>
-        </p:txBody>
-      </p:sp>
-      <p:pic>
-        <p:nvPicPr>
-          <p:cNvPr id="12" name="Shape 258"/>
-          <p:cNvPicPr>
-            <a:picLocks noChangeAspect="1"/>
-          </p:cNvPicPr>
-          <p:nvPr/>
-        </p:nvPicPr>
-        <p:blipFill>
-          <a:blip r:embed="rId4" cstate="print"/>
-          <a:stretch>
-            <a:fillRect/>
-          </a:stretch>
-        </p:blipFill>
-        <p:spPr>
-          <a:xfrm>
-            <a:off x="2360282" y="3956398"/>
-            <a:ext cx="1266480" cy="818644"/>
-          </a:xfrm>
-          <a:prstGeom prst="rect">
-            <a:avLst/>
-          </a:prstGeom>
-          <a:noFill/>
-          <a:ln>
-            <a:noFill/>
-          </a:ln>
-        </p:spPr>
-      </p:pic>
-      <p:pic>
-        <p:nvPicPr>
-          <p:cNvPr id="13" name="Shape 262"/>
-          <p:cNvPicPr>
-            <a:picLocks noChangeAspect="1"/>
-          </p:cNvPicPr>
-          <p:nvPr/>
-        </p:nvPicPr>
-        <p:blipFill>
-          <a:blip r:embed="rId5" cstate="print"/>
-          <a:stretch>
-            <a:fillRect/>
-          </a:stretch>
-        </p:blipFill>
-        <p:spPr>
-          <a:xfrm>
-            <a:off x="5184481" y="3956399"/>
-            <a:ext cx="1142643" cy="504355"/>
-          </a:xfrm>
-          <a:prstGeom prst="rect">
-            <a:avLst/>
-          </a:prstGeom>
-          <a:noFill/>
-          <a:ln>
-            <a:noFill/>
-          </a:ln>
-        </p:spPr>
-      </p:pic>
-      <p:sp>
-        <p:nvSpPr>
-          <p:cNvPr id="15" name="TextShape 8"/>
-          <p:cNvSpPr txBox="1"/>
-          <p:nvPr/>
-        </p:nvSpPr>
-        <p:spPr>
-          <a:xfrm>
-            <a:off x="4936441" y="2424239"/>
-            <a:ext cx="2420279" cy="530635"/>
-          </a:xfrm>
-          <a:prstGeom prst="rect">
-            <a:avLst/>
-          </a:prstGeom>
-          <a:noFill/>
-          <a:ln>
-            <a:noFill/>
-          </a:ln>
-        </p:spPr>
-        <p:txBody>
-          <a:bodyPr vert="horz" wrap="square" lIns="91440" tIns="91440" rIns="91440" bIns="91440" anchor="b" anchorCtr="0" compatLnSpc="1"/>
-          <a:lstStyle/>
-          <a:p>
-            <a:pPr>
-              <a:defRPr sz="1800" b="0" i="0" u="none" strike="noStrike" kern="0" cap="none" spc="0" baseline="0">
-                <a:solidFill>
-                  <a:srgbClr val="000000"/>
-                </a:solidFill>
-                <a:uFillTx/>
-              </a:defRPr>
-            </a:pPr>
-            <a:r>
-              <a:rPr lang="de-DE" sz="2400" b="1">
-                <a:solidFill>
-                  <a:srgbClr val="000000"/>
-                </a:solidFill>
-                <a:latin typeface="Arial"/>
-                <a:ea typeface="Arial"/>
-                <a:cs typeface="DejaVu Sans"/>
-              </a:rPr>
-              <a:t>Cafe / Kirche</a:t>
-            </a:r>
-            <a:endParaRPr lang="de-DE">
-              <a:solidFill>
-                <a:srgbClr val="000000"/>
-              </a:solidFill>
-              <a:latin typeface="Arial"/>
-              <a:ea typeface="DejaVu Sans"/>
-              <a:cs typeface="DejaVu Sans"/>
-            </a:endParaRPr>
-          </a:p>
-        </p:txBody>
-      </p:sp>
-      <p:sp>
-        <p:nvSpPr>
-          <p:cNvPr id="16" name="TextShape 9"/>
-          <p:cNvSpPr txBox="1"/>
-          <p:nvPr/>
-        </p:nvSpPr>
-        <p:spPr>
-          <a:xfrm>
-            <a:off x="7843081" y="2424239"/>
-            <a:ext cx="2249643" cy="530635"/>
-          </a:xfrm>
-          <a:prstGeom prst="rect">
-            <a:avLst/>
-          </a:prstGeom>
-          <a:noFill/>
-          <a:ln>
-            <a:noFill/>
-          </a:ln>
-        </p:spPr>
-        <p:txBody>
-          <a:bodyPr vert="horz" wrap="square" lIns="91440" tIns="91440" rIns="91440" bIns="91440" anchor="b" anchorCtr="0" compatLnSpc="1"/>
-          <a:lstStyle/>
-          <a:p>
-            <a:pPr>
-              <a:defRPr sz="1800" b="0" i="0" u="none" strike="noStrike" kern="0" cap="none" spc="0" baseline="0">
-                <a:solidFill>
-                  <a:srgbClr val="000000"/>
-                </a:solidFill>
-                <a:uFillTx/>
-              </a:defRPr>
-            </a:pPr>
-            <a:r>
-              <a:rPr lang="de-DE" sz="2200" b="1">
-                <a:solidFill>
-                  <a:srgbClr val="000000"/>
-                </a:solidFill>
-                <a:latin typeface="Arial"/>
-                <a:ea typeface="Arial"/>
-                <a:cs typeface="DejaVu Sans"/>
-              </a:rPr>
-              <a:t>Gemeindehaus</a:t>
-            </a:r>
-            <a:endParaRPr lang="de-DE">
-              <a:solidFill>
-                <a:srgbClr val="000000"/>
-              </a:solidFill>
-              <a:latin typeface="Arial"/>
-              <a:ea typeface="DejaVu Sans"/>
-              <a:cs typeface="DejaVu Sans"/>
-            </a:endParaRPr>
-          </a:p>
-        </p:txBody>
-      </p:sp>
-    </p:spTree>
-    <p:extLst>
-      <p:ext uri="{BB962C8B-B14F-4D97-AF65-F5344CB8AC3E}">
-        <p14:creationId xmlns:p14="http://schemas.microsoft.com/office/powerpoint/2010/main" val="2491580647"/>
-      </p:ext>
-    </p:extLst>
-  </p:cSld>
-  <p:clrMapOvr>
-    <a:masterClrMapping/>
-  </p:clrMapOvr>
-  <p:timing>
-    <p:tnLst>
-      <p:par>
-        <p:cTn id="1" dur="indefinite" restart="never" nodeType="tmRoot"/>
-      </p:par>
-    </p:tnLst>
-  </p:timing>
-</p:sld>
-</file>
-
-<file path=ppt/slides/slide12.xml><?xml version="1.0" encoding="utf-8"?>
-<p:sld xmlns:a="http://schemas.openxmlformats.org/drawingml/2006/main" xmlns:r="http://schemas.openxmlformats.org/officeDocument/2006/relationships" xmlns:p="http://schemas.openxmlformats.org/presentationml/2006/main">
-  <p:cSld>
-    <p:spTree>
-      <p:nvGrpSpPr>
-        <p:cNvPr id="1" name=""/>
-        <p:cNvGrpSpPr/>
-        <p:nvPr/>
-      </p:nvGrpSpPr>
-      <p:grpSpPr>
-        <a:xfrm>
-          <a:off x="0" y="0"/>
-          <a:ext cx="0" cy="0"/>
-          <a:chOff x="0" y="0"/>
-          <a:chExt cx="0" cy="0"/>
-        </a:xfrm>
-      </p:grpSpPr>
-      <p:pic>
-        <p:nvPicPr>
-          <p:cNvPr id="17" name="Shape 245"/>
-          <p:cNvPicPr>
-            <a:picLocks noChangeAspect="1"/>
-          </p:cNvPicPr>
-          <p:nvPr/>
-        </p:nvPicPr>
-        <p:blipFill>
-          <a:blip r:embed="rId2" cstate="print"/>
-          <a:stretch>
-            <a:fillRect/>
-          </a:stretch>
-        </p:blipFill>
-        <p:spPr>
-          <a:xfrm>
-            <a:off x="3325442" y="3799799"/>
-            <a:ext cx="5645523" cy="952201"/>
-          </a:xfrm>
-          <a:prstGeom prst="rect">
-            <a:avLst/>
-          </a:prstGeom>
-          <a:noFill/>
-          <a:ln>
-            <a:noFill/>
-          </a:ln>
-        </p:spPr>
-      </p:pic>
-      <p:sp>
-        <p:nvSpPr>
-          <p:cNvPr id="2" name="Titel 1"/>
-          <p:cNvSpPr>
-            <a:spLocks noGrp="1"/>
-          </p:cNvSpPr>
-          <p:nvPr>
-            <p:ph type="title"/>
-          </p:nvPr>
-        </p:nvSpPr>
-        <p:spPr/>
-        <p:txBody>
-          <a:bodyPr/>
-          <a:lstStyle/>
-          <a:p>
-            <a:r>
-              <a:rPr lang="de-DE" dirty="0" smtClean="0"/>
-              <a:t>Funktionsweise des </a:t>
-            </a:r>
-            <a:r>
-              <a:rPr lang="de-DE" dirty="0" err="1" smtClean="0"/>
-              <a:t>Meshings</a:t>
-            </a:r>
-            <a:endParaRPr lang="de-DE" dirty="0"/>
-          </a:p>
-        </p:txBody>
-      </p:sp>
-      <p:sp>
-        <p:nvSpPr>
-          <p:cNvPr id="4" name="Datumsplatzhalter 3"/>
-          <p:cNvSpPr>
-            <a:spLocks noGrp="1"/>
-          </p:cNvSpPr>
-          <p:nvPr>
-            <p:ph type="dt" sz="half" idx="10"/>
-          </p:nvPr>
-        </p:nvSpPr>
-        <p:spPr/>
-        <p:txBody>
-          <a:bodyPr/>
-          <a:lstStyle/>
-          <a:p>
-            <a:r>
-              <a:rPr lang="de-DE" smtClean="0"/>
-              <a:t>24.09.2015</a:t>
-            </a:r>
-            <a:endParaRPr lang="de-DE"/>
-          </a:p>
-        </p:txBody>
-      </p:sp>
-      <p:sp>
-        <p:nvSpPr>
-          <p:cNvPr id="5" name="Foliennummernplatzhalter 4"/>
-          <p:cNvSpPr>
-            <a:spLocks noGrp="1"/>
-          </p:cNvSpPr>
-          <p:nvPr>
-            <p:ph type="sldNum" sz="quarter" idx="12"/>
-          </p:nvPr>
-        </p:nvSpPr>
-        <p:spPr/>
-        <p:txBody>
-          <a:bodyPr/>
-          <a:lstStyle/>
-          <a:p>
-            <a:fld id="{6C6AE60A-B69C-4790-82F7-3882EDF23186}" type="slidenum">
-              <a:rPr lang="de-DE" smtClean="0"/>
-              <a:pPr/>
-              <a:t>12</a:t>
             </a:fld>
             <a:endParaRPr lang="de-DE"/>
           </a:p>
@@ -4467,7 +4055,7 @@
 </p:sld>
 </file>
 
-<file path=ppt/slides/slide13.xml><?xml version="1.0" encoding="utf-8"?>
+<file path=ppt/slides/slide12.xml><?xml version="1.0" encoding="utf-8"?>
 <p:sld xmlns:a="http://schemas.openxmlformats.org/drawingml/2006/main" xmlns:r="http://schemas.openxmlformats.org/officeDocument/2006/relationships" xmlns:p="http://schemas.openxmlformats.org/presentationml/2006/main">
   <p:cSld>
     <p:spTree>
@@ -4560,8 +4148,20 @@
             <a:pPr lvl="1"/>
             <a:r>
               <a:rPr lang="de-DE" dirty="0" smtClean="0"/>
-              <a:t>1500 Zugangspunkte</a:t>
-            </a:r>
+              <a:t>1500 </a:t>
+            </a:r>
+            <a:r>
+              <a:rPr lang="de-DE" dirty="0" smtClean="0"/>
+              <a:t>Zugangspunkte</a:t>
+            </a:r>
+          </a:p>
+          <a:p>
+            <a:pPr lvl="1"/>
+            <a:r>
+              <a:rPr lang="de-DE" dirty="0" smtClean="0"/>
+              <a:t>4000 gleichzeitige Benutzer</a:t>
+            </a:r>
+            <a:endParaRPr lang="de-DE" dirty="0" smtClean="0"/>
           </a:p>
           <a:p>
             <a:r>
@@ -4600,7 +4200,7 @@
 </p:sld>
 </file>
 
-<file path=ppt/slides/slide14.xml><?xml version="1.0" encoding="utf-8"?>
+<file path=ppt/slides/slide13.xml><?xml version="1.0" encoding="utf-8"?>
 <p:sld xmlns:a="http://schemas.openxmlformats.org/drawingml/2006/main" xmlns:r="http://schemas.openxmlformats.org/officeDocument/2006/relationships" xmlns:p="http://schemas.openxmlformats.org/presentationml/2006/main">
   <p:cSld>
     <p:spTree>
@@ -4706,7 +4306,7 @@
 </p:sld>
 </file>
 
-<file path=ppt/slides/slide15.xml><?xml version="1.0" encoding="utf-8"?>
+<file path=ppt/slides/slide14.xml><?xml version="1.0" encoding="utf-8"?>
 <p:sld xmlns:a="http://schemas.openxmlformats.org/drawingml/2006/main" xmlns:r="http://schemas.openxmlformats.org/officeDocument/2006/relationships" xmlns:p="http://schemas.openxmlformats.org/presentationml/2006/main">
   <p:cSld>
     <p:spTree>
@@ -5069,7 +4669,7 @@
 </p:sld>
 </file>
 
-<file path=ppt/slides/slide16.xml><?xml version="1.0" encoding="utf-8"?>
+<file path=ppt/slides/slide15.xml><?xml version="1.0" encoding="utf-8"?>
 <p:sld xmlns:a="http://schemas.openxmlformats.org/drawingml/2006/main" xmlns:r="http://schemas.openxmlformats.org/officeDocument/2006/relationships" xmlns:p="http://schemas.openxmlformats.org/presentationml/2006/main">
   <p:cSld>
     <p:spTree>
@@ -5102,8 +4702,12 @@
           <a:lstStyle/>
           <a:p>
             <a:r>
+              <a:rPr lang="de-DE" smtClean="0"/>
+              <a:t>Noch Fragen</a:t>
+            </a:r>
+            <a:r>
               <a:rPr lang="de-DE" dirty="0" smtClean="0"/>
-              <a:t>Fragen?</a:t>
+              <a:t>?</a:t>
             </a:r>
             <a:endParaRPr lang="de-DE" dirty="0"/>
           </a:p>
@@ -5148,7 +4752,7 @@
 </p:sld>
 </file>
 
-<file path=ppt/slides/slide17.xml><?xml version="1.0" encoding="utf-8"?>
+<file path=ppt/slides/slide16.xml><?xml version="1.0" encoding="utf-8"?>
 <p:sld xmlns:a="http://schemas.openxmlformats.org/drawingml/2006/main" xmlns:r="http://schemas.openxmlformats.org/officeDocument/2006/relationships" xmlns:p="http://schemas.openxmlformats.org/presentationml/2006/main">
   <p:cSld>
     <p:spTree>
@@ -5289,7 +4893,7 @@
           <a:p>
             <a:r>
               <a:rPr lang="de-DE" dirty="0" smtClean="0"/>
-              <a:t>Inhalt</a:t>
+              <a:t>Vorstellung</a:t>
             </a:r>
             <a:endParaRPr lang="de-DE" dirty="0"/>
           </a:p>
@@ -5297,75 +4901,27 @@
       </p:sp>
       <p:sp>
         <p:nvSpPr>
-          <p:cNvPr id="8" name="Inhaltsplatzhalter 7"/>
-          <p:cNvSpPr>
-            <a:spLocks noGrp="1"/>
-          </p:cNvSpPr>
-          <p:nvPr>
-            <p:ph idx="1"/>
-          </p:nvPr>
-        </p:nvSpPr>
-        <p:spPr/>
-        <p:txBody>
-          <a:bodyPr/>
-          <a:lstStyle/>
-          <a:p>
-            <a:r>
-              <a:rPr lang="de-DE" dirty="0" smtClean="0"/>
-              <a:t>Vorstellung</a:t>
-            </a:r>
-          </a:p>
-          <a:p>
-            <a:r>
-              <a:rPr lang="de-DE" dirty="0" smtClean="0"/>
-              <a:t>Was ist </a:t>
-            </a:r>
-            <a:r>
-              <a:rPr lang="de-DE" dirty="0" err="1" smtClean="0"/>
-              <a:t>Freifunk</a:t>
-            </a:r>
-            <a:r>
-              <a:rPr lang="de-DE" dirty="0" smtClean="0"/>
-              <a:t>?</a:t>
-            </a:r>
-          </a:p>
-          <a:p>
-            <a:r>
-              <a:rPr lang="de-DE" dirty="0" smtClean="0"/>
-              <a:t>Aktueller Stand</a:t>
-            </a:r>
-          </a:p>
-          <a:p>
-            <a:r>
-              <a:rPr lang="de-DE" dirty="0" smtClean="0"/>
-              <a:t>Kosten</a:t>
-            </a:r>
-          </a:p>
-          <a:p>
-            <a:r>
-              <a:rPr lang="de-DE" dirty="0" smtClean="0"/>
-              <a:t>Medien </a:t>
-            </a:r>
-          </a:p>
-          <a:p>
-            <a:r>
-              <a:rPr lang="de-DE" dirty="0" smtClean="0"/>
-              <a:t>Kontakt</a:t>
-            </a:r>
-          </a:p>
-          <a:p>
-            <a:r>
-              <a:rPr lang="de-DE" dirty="0" smtClean="0"/>
-              <a:t>Fragen</a:t>
-            </a:r>
-            <a:endParaRPr lang="de-DE" dirty="0"/>
+          <p:cNvPr id="5" name="Textplatzhalter 4"/>
+          <p:cNvSpPr>
+            <a:spLocks noGrp="1"/>
+          </p:cNvSpPr>
+          <p:nvPr>
+            <p:ph type="body" idx="1"/>
+          </p:nvPr>
+        </p:nvSpPr>
+        <p:spPr/>
+        <p:txBody>
+          <a:bodyPr/>
+          <a:lstStyle/>
+          <a:p>
+            <a:endParaRPr lang="de-DE"/>
           </a:p>
         </p:txBody>
       </p:sp>
     </p:spTree>
     <p:extLst>
       <p:ext uri="{BB962C8B-B14F-4D97-AF65-F5344CB8AC3E}">
-        <p14:creationId xmlns:p14="http://schemas.microsoft.com/office/powerpoint/2010/main" val="691168187"/>
+        <p14:creationId xmlns:p14="http://schemas.microsoft.com/office/powerpoint/2010/main" val="281358604"/>
       </p:ext>
     </p:extLst>
   </p:cSld>
@@ -5401,7 +4957,7 @@
       </p:grpSpPr>
       <p:sp>
         <p:nvSpPr>
-          <p:cNvPr id="4" name="Titel 3"/>
+          <p:cNvPr id="2" name="Titel 1"/>
           <p:cNvSpPr>
             <a:spLocks noGrp="1"/>
           </p:cNvSpPr>
@@ -5416,35 +4972,86 @@
           <a:p>
             <a:r>
               <a:rPr lang="de-DE" dirty="0" smtClean="0"/>
-              <a:t>Vorstellung</a:t>
+              <a:t>Wer bin ich?</a:t>
             </a:r>
             <a:endParaRPr lang="de-DE" dirty="0"/>
           </a:p>
         </p:txBody>
       </p:sp>
-      <p:sp>
-        <p:nvSpPr>
-          <p:cNvPr id="5" name="Textplatzhalter 4"/>
-          <p:cNvSpPr>
-            <a:spLocks noGrp="1"/>
-          </p:cNvSpPr>
-          <p:nvPr>
-            <p:ph type="body" idx="1"/>
-          </p:nvPr>
-        </p:nvSpPr>
-        <p:spPr/>
-        <p:txBody>
-          <a:bodyPr/>
-          <a:lstStyle/>
-          <a:p>
-            <a:endParaRPr lang="de-DE"/>
+      <p:pic>
+        <p:nvPicPr>
+          <p:cNvPr id="15" name="Inhaltsplatzhalter 14"/>
+          <p:cNvPicPr>
+            <a:picLocks noGrp="1" noChangeAspect="1"/>
+          </p:cNvPicPr>
+          <p:nvPr>
+            <p:ph sz="half" idx="1"/>
+          </p:nvPr>
+        </p:nvPicPr>
+        <p:blipFill>
+          <a:blip r:embed="rId2" cstate="print">
+            <a:extLst>
+              <a:ext uri="{28A0092B-C50C-407E-A947-70E740481C1C}">
+                <a14:useLocalDpi xmlns:a14="http://schemas.microsoft.com/office/drawing/2010/main" val="0"/>
+              </a:ext>
+            </a:extLst>
+          </a:blip>
+          <a:stretch>
+            <a:fillRect/>
+          </a:stretch>
+        </p:blipFill>
+        <p:spPr>
+          <a:xfrm>
+            <a:off x="1496762" y="1825625"/>
+            <a:ext cx="3864475" cy="4351338"/>
+          </a:xfrm>
+        </p:spPr>
+      </p:pic>
+      <p:sp>
+        <p:nvSpPr>
+          <p:cNvPr id="14" name="Inhaltsplatzhalter 13"/>
+          <p:cNvSpPr>
+            <a:spLocks noGrp="1"/>
+          </p:cNvSpPr>
+          <p:nvPr>
+            <p:ph sz="half" idx="2"/>
+          </p:nvPr>
+        </p:nvSpPr>
+        <p:spPr/>
+        <p:txBody>
+          <a:bodyPr/>
+          <a:lstStyle/>
+          <a:p>
+            <a:r>
+              <a:rPr lang="de-DE" dirty="0" smtClean="0"/>
+              <a:t>Felix Wöstmann</a:t>
+            </a:r>
+          </a:p>
+          <a:p>
+            <a:r>
+              <a:rPr lang="de-DE" dirty="0" smtClean="0"/>
+              <a:t>Duales Studium der Informatik</a:t>
+            </a:r>
+          </a:p>
+          <a:p>
+            <a:r>
+              <a:rPr lang="de-DE" dirty="0" smtClean="0"/>
+              <a:t>Freifunker seit Juli 2014</a:t>
+            </a:r>
+          </a:p>
+          <a:p>
+            <a:pPr lvl="1"/>
+            <a:r>
+              <a:rPr lang="de-DE" dirty="0" smtClean="0"/>
+              <a:t>Sehr aktiv seit Juni 2015</a:t>
+            </a:r>
           </a:p>
         </p:txBody>
       </p:sp>
     </p:spTree>
     <p:extLst>
       <p:ext uri="{BB962C8B-B14F-4D97-AF65-F5344CB8AC3E}">
-        <p14:creationId xmlns:p14="http://schemas.microsoft.com/office/powerpoint/2010/main" val="281358604"/>
+        <p14:creationId xmlns:p14="http://schemas.microsoft.com/office/powerpoint/2010/main" val="1080503617"/>
       </p:ext>
     </p:extLst>
   </p:cSld>
@@ -5493,136 +5100,6 @@
           <a:bodyPr/>
           <a:lstStyle/>
           <a:p>
-            <a:r>
-              <a:rPr lang="de-DE" dirty="0" smtClean="0"/>
-              <a:t>Wer bin ich?</a:t>
-            </a:r>
-            <a:endParaRPr lang="de-DE" dirty="0"/>
-          </a:p>
-        </p:txBody>
-      </p:sp>
-      <p:pic>
-        <p:nvPicPr>
-          <p:cNvPr id="15" name="Inhaltsplatzhalter 14"/>
-          <p:cNvPicPr>
-            <a:picLocks noGrp="1" noChangeAspect="1"/>
-          </p:cNvPicPr>
-          <p:nvPr>
-            <p:ph sz="half" idx="1"/>
-          </p:nvPr>
-        </p:nvPicPr>
-        <p:blipFill>
-          <a:blip r:embed="rId2" cstate="print">
-            <a:extLst>
-              <a:ext uri="{28A0092B-C50C-407E-A947-70E740481C1C}">
-                <a14:useLocalDpi xmlns:a14="http://schemas.microsoft.com/office/drawing/2010/main" val="0"/>
-              </a:ext>
-            </a:extLst>
-          </a:blip>
-          <a:stretch>
-            <a:fillRect/>
-          </a:stretch>
-        </p:blipFill>
-        <p:spPr>
-          <a:xfrm>
-            <a:off x="1496762" y="1825625"/>
-            <a:ext cx="3864475" cy="4351338"/>
-          </a:xfrm>
-        </p:spPr>
-      </p:pic>
-      <p:sp>
-        <p:nvSpPr>
-          <p:cNvPr id="14" name="Inhaltsplatzhalter 13"/>
-          <p:cNvSpPr>
-            <a:spLocks noGrp="1"/>
-          </p:cNvSpPr>
-          <p:nvPr>
-            <p:ph sz="half" idx="2"/>
-          </p:nvPr>
-        </p:nvSpPr>
-        <p:spPr/>
-        <p:txBody>
-          <a:bodyPr/>
-          <a:lstStyle/>
-          <a:p>
-            <a:r>
-              <a:rPr lang="de-DE" dirty="0" smtClean="0"/>
-              <a:t>Felix Wöstmann</a:t>
-            </a:r>
-          </a:p>
-          <a:p>
-            <a:r>
-              <a:rPr lang="de-DE" dirty="0" smtClean="0"/>
-              <a:t>Duales Studium der Informatik</a:t>
-            </a:r>
-          </a:p>
-          <a:p>
-            <a:r>
-              <a:rPr lang="de-DE" dirty="0" smtClean="0"/>
-              <a:t>Freifunker seit Juli 2014</a:t>
-            </a:r>
-          </a:p>
-          <a:p>
-            <a:pPr lvl="1"/>
-            <a:r>
-              <a:rPr lang="de-DE" dirty="0" smtClean="0"/>
-              <a:t>Sehr aktiv seit Juni 2015</a:t>
-            </a:r>
-          </a:p>
-        </p:txBody>
-      </p:sp>
-    </p:spTree>
-    <p:extLst>
-      <p:ext uri="{BB962C8B-B14F-4D97-AF65-F5344CB8AC3E}">
-        <p14:creationId xmlns:p14="http://schemas.microsoft.com/office/powerpoint/2010/main" val="1080503617"/>
-      </p:ext>
-    </p:extLst>
-  </p:cSld>
-  <p:clrMapOvr>
-    <a:masterClrMapping/>
-  </p:clrMapOvr>
-  <p:timing>
-    <p:tnLst>
-      <p:par>
-        <p:cTn id="1" dur="indefinite" restart="never" nodeType="tmRoot"/>
-      </p:par>
-    </p:tnLst>
-  </p:timing>
-</p:sld>
-</file>
-
-<file path=ppt/slides/slide5.xml><?xml version="1.0" encoding="utf-8"?>
-<p:sld xmlns:a="http://schemas.openxmlformats.org/drawingml/2006/main" xmlns:r="http://schemas.openxmlformats.org/officeDocument/2006/relationships" xmlns:p="http://schemas.openxmlformats.org/presentationml/2006/main">
-  <p:cSld>
-    <p:spTree>
-      <p:nvGrpSpPr>
-        <p:cNvPr id="1" name=""/>
-        <p:cNvGrpSpPr/>
-        <p:nvPr/>
-      </p:nvGrpSpPr>
-      <p:grpSpPr>
-        <a:xfrm>
-          <a:off x="0" y="0"/>
-          <a:ext cx="0" cy="0"/>
-          <a:chOff x="0" y="0"/>
-          <a:chExt cx="0" cy="0"/>
-        </a:xfrm>
-      </p:grpSpPr>
-      <p:sp>
-        <p:nvSpPr>
-          <p:cNvPr id="2" name="Titel 1"/>
-          <p:cNvSpPr>
-            <a:spLocks noGrp="1"/>
-          </p:cNvSpPr>
-          <p:nvPr>
-            <p:ph type="title"/>
-          </p:nvPr>
-        </p:nvSpPr>
-        <p:spPr/>
-        <p:txBody>
-          <a:bodyPr/>
-          <a:lstStyle/>
-          <a:p>
             <a:endParaRPr lang="de-DE" dirty="0"/>
           </a:p>
         </p:txBody>
@@ -5665,19 +5142,20 @@
               <a:buNone/>
             </a:pPr>
             <a:r>
-              <a:rPr lang="de-DE" dirty="0" smtClean="0"/>
-              <a:t>Übergreift das Münsterland</a:t>
-            </a:r>
+              <a:rPr lang="de-DE" sz="2400" dirty="0" smtClean="0"/>
+              <a:t>Münsterland übergreifend</a:t>
+            </a:r>
+            <a:endParaRPr lang="de-DE" sz="2400" dirty="0" smtClean="0"/>
           </a:p>
           <a:p>
             <a:pPr marL="0" indent="0">
               <a:buNone/>
             </a:pPr>
             <a:r>
-              <a:rPr lang="de-DE" dirty="0" smtClean="0"/>
+              <a:rPr lang="de-DE" sz="2400" dirty="0" smtClean="0"/>
               <a:t>Stellt Infrastruktur</a:t>
             </a:r>
-            <a:endParaRPr lang="de-DE" dirty="0"/>
+            <a:endParaRPr lang="de-DE" sz="2400" dirty="0"/>
           </a:p>
         </p:txBody>
       </p:sp>
@@ -5772,8 +5250,8 @@
         </p:blipFill>
         <p:spPr>
           <a:xfrm>
-            <a:off x="6172200" y="3415098"/>
-            <a:ext cx="3955328" cy="2664768"/>
+            <a:off x="6728604" y="4115380"/>
+            <a:ext cx="3148758" cy="2121369"/>
           </a:xfrm>
           <a:prstGeom prst="rect">
             <a:avLst/>
@@ -5784,6 +5262,93 @@
     <p:extLst>
       <p:ext uri="{BB962C8B-B14F-4D97-AF65-F5344CB8AC3E}">
         <p14:creationId xmlns:p14="http://schemas.microsoft.com/office/powerpoint/2010/main" val="1708977368"/>
+      </p:ext>
+    </p:extLst>
+  </p:cSld>
+  <p:clrMapOvr>
+    <a:masterClrMapping/>
+  </p:clrMapOvr>
+  <p:timing>
+    <p:tnLst>
+      <p:par>
+        <p:cTn id="1" dur="indefinite" restart="never" nodeType="tmRoot"/>
+      </p:par>
+    </p:tnLst>
+  </p:timing>
+</p:sld>
+</file>
+
+<file path=ppt/slides/slide5.xml><?xml version="1.0" encoding="utf-8"?>
+<p:sld xmlns:a="http://schemas.openxmlformats.org/drawingml/2006/main" xmlns:r="http://schemas.openxmlformats.org/officeDocument/2006/relationships" xmlns:p="http://schemas.openxmlformats.org/presentationml/2006/main">
+  <p:cSld>
+    <p:spTree>
+      <p:nvGrpSpPr>
+        <p:cNvPr id="1" name=""/>
+        <p:cNvGrpSpPr/>
+        <p:nvPr/>
+      </p:nvGrpSpPr>
+      <p:grpSpPr>
+        <a:xfrm>
+          <a:off x="0" y="0"/>
+          <a:ext cx="0" cy="0"/>
+          <a:chOff x="0" y="0"/>
+          <a:chExt cx="0" cy="0"/>
+        </a:xfrm>
+      </p:grpSpPr>
+      <p:sp>
+        <p:nvSpPr>
+          <p:cNvPr id="5" name="Titel 4"/>
+          <p:cNvSpPr>
+            <a:spLocks noGrp="1"/>
+          </p:cNvSpPr>
+          <p:nvPr>
+            <p:ph type="title"/>
+          </p:nvPr>
+        </p:nvSpPr>
+        <p:spPr/>
+        <p:txBody>
+          <a:bodyPr/>
+          <a:lstStyle/>
+          <a:p>
+            <a:r>
+              <a:rPr lang="de-DE" dirty="0" smtClean="0"/>
+              <a:t>Was ist </a:t>
+            </a:r>
+            <a:r>
+              <a:rPr lang="de-DE" dirty="0" err="1" smtClean="0"/>
+              <a:t>Freifunk</a:t>
+            </a:r>
+            <a:r>
+              <a:rPr lang="de-DE" dirty="0" smtClean="0"/>
+              <a:t>?</a:t>
+            </a:r>
+            <a:endParaRPr lang="de-DE" dirty="0"/>
+          </a:p>
+        </p:txBody>
+      </p:sp>
+      <p:sp>
+        <p:nvSpPr>
+          <p:cNvPr id="6" name="Textplatzhalter 5"/>
+          <p:cNvSpPr>
+            <a:spLocks noGrp="1"/>
+          </p:cNvSpPr>
+          <p:nvPr>
+            <p:ph type="body" idx="1"/>
+          </p:nvPr>
+        </p:nvSpPr>
+        <p:spPr/>
+        <p:txBody>
+          <a:bodyPr/>
+          <a:lstStyle/>
+          <a:p>
+            <a:endParaRPr lang="de-DE"/>
+          </a:p>
+        </p:txBody>
+      </p:sp>
+    </p:spTree>
+    <p:extLst>
+      <p:ext uri="{BB962C8B-B14F-4D97-AF65-F5344CB8AC3E}">
+        <p14:creationId xmlns:p14="http://schemas.microsoft.com/office/powerpoint/2010/main" val="2761048823"/>
       </p:ext>
     </p:extLst>
   </p:cSld>
@@ -5819,93 +5384,6 @@
       </p:grpSpPr>
       <p:sp>
         <p:nvSpPr>
-          <p:cNvPr id="5" name="Titel 4"/>
-          <p:cNvSpPr>
-            <a:spLocks noGrp="1"/>
-          </p:cNvSpPr>
-          <p:nvPr>
-            <p:ph type="title"/>
-          </p:nvPr>
-        </p:nvSpPr>
-        <p:spPr/>
-        <p:txBody>
-          <a:bodyPr/>
-          <a:lstStyle/>
-          <a:p>
-            <a:r>
-              <a:rPr lang="de-DE" dirty="0" smtClean="0"/>
-              <a:t>Was ist </a:t>
-            </a:r>
-            <a:r>
-              <a:rPr lang="de-DE" dirty="0" err="1" smtClean="0"/>
-              <a:t>Freifunk</a:t>
-            </a:r>
-            <a:r>
-              <a:rPr lang="de-DE" dirty="0" smtClean="0"/>
-              <a:t>?</a:t>
-            </a:r>
-            <a:endParaRPr lang="de-DE" dirty="0"/>
-          </a:p>
-        </p:txBody>
-      </p:sp>
-      <p:sp>
-        <p:nvSpPr>
-          <p:cNvPr id="6" name="Textplatzhalter 5"/>
-          <p:cNvSpPr>
-            <a:spLocks noGrp="1"/>
-          </p:cNvSpPr>
-          <p:nvPr>
-            <p:ph type="body" idx="1"/>
-          </p:nvPr>
-        </p:nvSpPr>
-        <p:spPr/>
-        <p:txBody>
-          <a:bodyPr/>
-          <a:lstStyle/>
-          <a:p>
-            <a:endParaRPr lang="de-DE"/>
-          </a:p>
-        </p:txBody>
-      </p:sp>
-    </p:spTree>
-    <p:extLst>
-      <p:ext uri="{BB962C8B-B14F-4D97-AF65-F5344CB8AC3E}">
-        <p14:creationId xmlns:p14="http://schemas.microsoft.com/office/powerpoint/2010/main" val="2761048823"/>
-      </p:ext>
-    </p:extLst>
-  </p:cSld>
-  <p:clrMapOvr>
-    <a:masterClrMapping/>
-  </p:clrMapOvr>
-  <p:timing>
-    <p:tnLst>
-      <p:par>
-        <p:cTn id="1" dur="indefinite" restart="never" nodeType="tmRoot"/>
-      </p:par>
-    </p:tnLst>
-  </p:timing>
-</p:sld>
-</file>
-
-<file path=ppt/slides/slide7.xml><?xml version="1.0" encoding="utf-8"?>
-<p:sld xmlns:a="http://schemas.openxmlformats.org/drawingml/2006/main" xmlns:r="http://schemas.openxmlformats.org/officeDocument/2006/relationships" xmlns:p="http://schemas.openxmlformats.org/presentationml/2006/main">
-  <p:cSld>
-    <p:spTree>
-      <p:nvGrpSpPr>
-        <p:cNvPr id="1" name=""/>
-        <p:cNvGrpSpPr/>
-        <p:nvPr/>
-      </p:nvGrpSpPr>
-      <p:grpSpPr>
-        <a:xfrm>
-          <a:off x="0" y="0"/>
-          <a:ext cx="0" cy="0"/>
-          <a:chOff x="0" y="0"/>
-          <a:chExt cx="0" cy="0"/>
-        </a:xfrm>
-      </p:grpSpPr>
-      <p:sp>
-        <p:nvSpPr>
           <p:cNvPr id="4" name="Titel 3"/>
           <p:cNvSpPr>
             <a:spLocks noGrp="1"/>
@@ -6035,7 +5513,7 @@
 </p:sld>
 </file>
 
-<file path=ppt/slides/slide8.xml><?xml version="1.0" encoding="utf-8"?>
+<file path=ppt/slides/slide7.xml><?xml version="1.0" encoding="utf-8"?>
 <p:sld xmlns:a="http://schemas.openxmlformats.org/drawingml/2006/main" xmlns:r="http://schemas.openxmlformats.org/officeDocument/2006/relationships" xmlns:p="http://schemas.openxmlformats.org/presentationml/2006/main">
   <p:cSld>
     <p:spTree>
@@ -6124,7 +5602,7 @@
 </p:sld>
 </file>
 
-<file path=ppt/slides/slide9.xml><?xml version="1.0" encoding="utf-8"?>
+<file path=ppt/slides/slide8.xml><?xml version="1.0" encoding="utf-8"?>
 <p:sld xmlns:a="http://schemas.openxmlformats.org/drawingml/2006/main" xmlns:r="http://schemas.openxmlformats.org/officeDocument/2006/relationships" xmlns:p="http://schemas.openxmlformats.org/presentationml/2006/main">
   <p:cSld>
     <p:spTree>
@@ -6197,6 +5675,417 @@
     <p:extLst>
       <p:ext uri="{BB962C8B-B14F-4D97-AF65-F5344CB8AC3E}">
         <p14:creationId xmlns:p14="http://schemas.microsoft.com/office/powerpoint/2010/main" val="90552858"/>
+      </p:ext>
+    </p:extLst>
+  </p:cSld>
+  <p:clrMapOvr>
+    <a:masterClrMapping/>
+  </p:clrMapOvr>
+  <p:timing>
+    <p:tnLst>
+      <p:par>
+        <p:cTn id="1" dur="indefinite" restart="never" nodeType="tmRoot"/>
+      </p:par>
+    </p:tnLst>
+  </p:timing>
+</p:sld>
+</file>
+
+<file path=ppt/slides/slide9.xml><?xml version="1.0" encoding="utf-8"?>
+<p:sld xmlns:a="http://schemas.openxmlformats.org/drawingml/2006/main" xmlns:r="http://schemas.openxmlformats.org/officeDocument/2006/relationships" xmlns:p="http://schemas.openxmlformats.org/presentationml/2006/main">
+  <p:cSld>
+    <p:spTree>
+      <p:nvGrpSpPr>
+        <p:cNvPr id="1" name=""/>
+        <p:cNvGrpSpPr/>
+        <p:nvPr/>
+      </p:nvGrpSpPr>
+      <p:grpSpPr>
+        <a:xfrm>
+          <a:off x="0" y="0"/>
+          <a:ext cx="0" cy="0"/>
+          <a:chOff x="0" y="0"/>
+          <a:chExt cx="0" cy="0"/>
+        </a:xfrm>
+      </p:grpSpPr>
+      <p:sp>
+        <p:nvSpPr>
+          <p:cNvPr id="2" name="Titel 1"/>
+          <p:cNvSpPr>
+            <a:spLocks noGrp="1"/>
+          </p:cNvSpPr>
+          <p:nvPr>
+            <p:ph type="title"/>
+          </p:nvPr>
+        </p:nvSpPr>
+        <p:spPr/>
+        <p:txBody>
+          <a:bodyPr/>
+          <a:lstStyle/>
+          <a:p>
+            <a:r>
+              <a:rPr lang="de-DE" dirty="0" smtClean="0"/>
+              <a:t>Funktionsweise des </a:t>
+            </a:r>
+            <a:r>
+              <a:rPr lang="de-DE" dirty="0" err="1" smtClean="0"/>
+              <a:t>Meshings</a:t>
+            </a:r>
+            <a:endParaRPr lang="de-DE" dirty="0"/>
+          </a:p>
+        </p:txBody>
+      </p:sp>
+      <p:sp>
+        <p:nvSpPr>
+          <p:cNvPr id="4" name="Datumsplatzhalter 3"/>
+          <p:cNvSpPr>
+            <a:spLocks noGrp="1"/>
+          </p:cNvSpPr>
+          <p:nvPr>
+            <p:ph type="dt" sz="half" idx="10"/>
+          </p:nvPr>
+        </p:nvSpPr>
+        <p:spPr/>
+        <p:txBody>
+          <a:bodyPr/>
+          <a:lstStyle/>
+          <a:p>
+            <a:r>
+              <a:rPr lang="de-DE" smtClean="0"/>
+              <a:t>24.09.2015</a:t>
+            </a:r>
+            <a:endParaRPr lang="de-DE"/>
+          </a:p>
+        </p:txBody>
+      </p:sp>
+      <p:sp>
+        <p:nvSpPr>
+          <p:cNvPr id="5" name="Foliennummernplatzhalter 4"/>
+          <p:cNvSpPr>
+            <a:spLocks noGrp="1"/>
+          </p:cNvSpPr>
+          <p:nvPr>
+            <p:ph type="sldNum" sz="quarter" idx="12"/>
+          </p:nvPr>
+        </p:nvSpPr>
+        <p:spPr/>
+        <p:txBody>
+          <a:bodyPr/>
+          <a:lstStyle/>
+          <a:p>
+            <a:fld id="{6C6AE60A-B69C-4790-82F7-3882EDF23186}" type="slidenum">
+              <a:rPr lang="de-DE" smtClean="0"/>
+              <a:pPr/>
+              <a:t>9</a:t>
+            </a:fld>
+            <a:endParaRPr lang="de-DE"/>
+          </a:p>
+        </p:txBody>
+      </p:sp>
+      <p:pic>
+        <p:nvPicPr>
+          <p:cNvPr id="7" name="Shape 246"/>
+          <p:cNvPicPr>
+            <a:picLocks noChangeAspect="1"/>
+          </p:cNvPicPr>
+          <p:nvPr/>
+        </p:nvPicPr>
+        <p:blipFill>
+          <a:blip r:embed="rId2" cstate="print"/>
+          <a:srcRect l="19009"/>
+          <a:stretch>
+            <a:fillRect/>
+          </a:stretch>
+        </p:blipFill>
+        <p:spPr>
+          <a:xfrm>
+            <a:off x="1524001" y="3799799"/>
+            <a:ext cx="4572365" cy="952201"/>
+          </a:xfrm>
+          <a:prstGeom prst="rect">
+            <a:avLst/>
+          </a:prstGeom>
+          <a:noFill/>
+          <a:ln>
+            <a:noFill/>
+          </a:ln>
+        </p:spPr>
+      </p:pic>
+      <p:pic>
+        <p:nvPicPr>
+          <p:cNvPr id="8" name="Shape 247"/>
+          <p:cNvPicPr>
+            <a:picLocks noChangeAspect="1"/>
+          </p:cNvPicPr>
+          <p:nvPr/>
+        </p:nvPicPr>
+        <p:blipFill>
+          <a:blip r:embed="rId3" cstate="print"/>
+          <a:stretch>
+            <a:fillRect/>
+          </a:stretch>
+        </p:blipFill>
+        <p:spPr>
+          <a:xfrm>
+            <a:off x="2144996" y="3022924"/>
+            <a:ext cx="2257196" cy="1752118"/>
+          </a:xfrm>
+          <a:prstGeom prst="rect">
+            <a:avLst/>
+          </a:prstGeom>
+          <a:noFill/>
+          <a:ln>
+            <a:noFill/>
+          </a:ln>
+        </p:spPr>
+      </p:pic>
+      <p:pic>
+        <p:nvPicPr>
+          <p:cNvPr id="9" name="Shape 248"/>
+          <p:cNvPicPr>
+            <a:picLocks noChangeAspect="1"/>
+          </p:cNvPicPr>
+          <p:nvPr/>
+        </p:nvPicPr>
+        <p:blipFill>
+          <a:blip r:embed="rId3" cstate="print"/>
+          <a:stretch>
+            <a:fillRect/>
+          </a:stretch>
+        </p:blipFill>
+        <p:spPr>
+          <a:xfrm>
+            <a:off x="4871280" y="3022924"/>
+            <a:ext cx="2257196" cy="1752118"/>
+          </a:xfrm>
+          <a:prstGeom prst="rect">
+            <a:avLst/>
+          </a:prstGeom>
+          <a:noFill/>
+          <a:ln>
+            <a:noFill/>
+          </a:ln>
+        </p:spPr>
+      </p:pic>
+      <p:pic>
+        <p:nvPicPr>
+          <p:cNvPr id="10" name="Shape 249"/>
+          <p:cNvPicPr>
+            <a:picLocks noChangeAspect="1"/>
+          </p:cNvPicPr>
+          <p:nvPr/>
+        </p:nvPicPr>
+        <p:blipFill>
+          <a:blip r:embed="rId3" cstate="print"/>
+          <a:stretch>
+            <a:fillRect/>
+          </a:stretch>
+        </p:blipFill>
+        <p:spPr>
+          <a:xfrm>
+            <a:off x="7765676" y="3022924"/>
+            <a:ext cx="2257196" cy="1752118"/>
+          </a:xfrm>
+          <a:prstGeom prst="rect">
+            <a:avLst/>
+          </a:prstGeom>
+          <a:noFill/>
+          <a:ln>
+            <a:noFill/>
+          </a:ln>
+        </p:spPr>
+      </p:pic>
+      <p:sp>
+        <p:nvSpPr>
+          <p:cNvPr id="11" name="TextShape 4"/>
+          <p:cNvSpPr txBox="1"/>
+          <p:nvPr/>
+        </p:nvSpPr>
+        <p:spPr>
+          <a:xfrm>
+            <a:off x="1981200" y="2424239"/>
+            <a:ext cx="2170584" cy="530635"/>
+          </a:xfrm>
+          <a:prstGeom prst="rect">
+            <a:avLst/>
+          </a:prstGeom>
+          <a:noFill/>
+          <a:ln>
+            <a:noFill/>
+          </a:ln>
+        </p:spPr>
+        <p:txBody>
+          <a:bodyPr vert="horz" wrap="square" lIns="91440" tIns="91440" rIns="91440" bIns="91440" anchor="b" anchorCtr="0" compatLnSpc="1"/>
+          <a:lstStyle/>
+          <a:p>
+            <a:pPr>
+              <a:defRPr sz="1800" b="0" i="0" u="none" strike="noStrike" kern="0" cap="none" spc="0" baseline="0">
+                <a:solidFill>
+                  <a:srgbClr val="000000"/>
+                </a:solidFill>
+                <a:uFillTx/>
+              </a:defRPr>
+            </a:pPr>
+            <a:r>
+              <a:rPr lang="de-DE" sz="2400" b="1" dirty="0">
+                <a:solidFill>
+                  <a:srgbClr val="000000"/>
+                </a:solidFill>
+                <a:latin typeface="Arial"/>
+                <a:ea typeface="Arial"/>
+                <a:cs typeface="DejaVu Sans"/>
+              </a:rPr>
+              <a:t>Familie Meier</a:t>
+            </a:r>
+            <a:endParaRPr lang="de-DE" dirty="0">
+              <a:solidFill>
+                <a:srgbClr val="000000"/>
+              </a:solidFill>
+              <a:latin typeface="Arial"/>
+              <a:ea typeface="DejaVu Sans"/>
+              <a:cs typeface="DejaVu Sans"/>
+            </a:endParaRPr>
+          </a:p>
+        </p:txBody>
+      </p:sp>
+      <p:pic>
+        <p:nvPicPr>
+          <p:cNvPr id="12" name="Shape 258"/>
+          <p:cNvPicPr>
+            <a:picLocks noChangeAspect="1"/>
+          </p:cNvPicPr>
+          <p:nvPr/>
+        </p:nvPicPr>
+        <p:blipFill>
+          <a:blip r:embed="rId4" cstate="print"/>
+          <a:stretch>
+            <a:fillRect/>
+          </a:stretch>
+        </p:blipFill>
+        <p:spPr>
+          <a:xfrm>
+            <a:off x="2360282" y="3956398"/>
+            <a:ext cx="1266480" cy="818644"/>
+          </a:xfrm>
+          <a:prstGeom prst="rect">
+            <a:avLst/>
+          </a:prstGeom>
+          <a:noFill/>
+          <a:ln>
+            <a:noFill/>
+          </a:ln>
+        </p:spPr>
+      </p:pic>
+      <p:sp>
+        <p:nvSpPr>
+          <p:cNvPr id="15" name="TextShape 8"/>
+          <p:cNvSpPr txBox="1"/>
+          <p:nvPr/>
+        </p:nvSpPr>
+        <p:spPr>
+          <a:xfrm>
+            <a:off x="4936441" y="2424239"/>
+            <a:ext cx="2420279" cy="530635"/>
+          </a:xfrm>
+          <a:prstGeom prst="rect">
+            <a:avLst/>
+          </a:prstGeom>
+          <a:noFill/>
+          <a:ln>
+            <a:noFill/>
+          </a:ln>
+        </p:spPr>
+        <p:txBody>
+          <a:bodyPr vert="horz" wrap="square" lIns="91440" tIns="91440" rIns="91440" bIns="91440" anchor="b" anchorCtr="0" compatLnSpc="1"/>
+          <a:lstStyle/>
+          <a:p>
+            <a:pPr>
+              <a:defRPr sz="1800" b="0" i="0" u="none" strike="noStrike" kern="0" cap="none" spc="0" baseline="0">
+                <a:solidFill>
+                  <a:srgbClr val="000000"/>
+                </a:solidFill>
+                <a:uFillTx/>
+              </a:defRPr>
+            </a:pPr>
+            <a:r>
+              <a:rPr lang="de-DE" sz="2400" b="1" dirty="0">
+                <a:solidFill>
+                  <a:srgbClr val="000000"/>
+                </a:solidFill>
+                <a:latin typeface="Arial"/>
+                <a:ea typeface="Arial"/>
+                <a:cs typeface="DejaVu Sans"/>
+              </a:rPr>
+              <a:t>Cafe / Kirche</a:t>
+            </a:r>
+            <a:endParaRPr lang="de-DE" dirty="0">
+              <a:solidFill>
+                <a:srgbClr val="000000"/>
+              </a:solidFill>
+              <a:latin typeface="Arial"/>
+              <a:ea typeface="DejaVu Sans"/>
+              <a:cs typeface="DejaVu Sans"/>
+            </a:endParaRPr>
+          </a:p>
+        </p:txBody>
+      </p:sp>
+      <p:sp>
+        <p:nvSpPr>
+          <p:cNvPr id="16" name="TextShape 9"/>
+          <p:cNvSpPr txBox="1"/>
+          <p:nvPr/>
+        </p:nvSpPr>
+        <p:spPr>
+          <a:xfrm>
+            <a:off x="7843081" y="2424239"/>
+            <a:ext cx="2249643" cy="530635"/>
+          </a:xfrm>
+          <a:prstGeom prst="rect">
+            <a:avLst/>
+          </a:prstGeom>
+          <a:noFill/>
+          <a:ln>
+            <a:noFill/>
+          </a:ln>
+        </p:spPr>
+        <p:txBody>
+          <a:bodyPr vert="horz" wrap="square" lIns="91440" tIns="91440" rIns="91440" bIns="91440" anchor="b" anchorCtr="0" compatLnSpc="1"/>
+          <a:lstStyle/>
+          <a:p>
+            <a:pPr>
+              <a:defRPr sz="1800" b="0" i="0" u="none" strike="noStrike" kern="0" cap="none" spc="0" baseline="0">
+                <a:solidFill>
+                  <a:srgbClr val="000000"/>
+                </a:solidFill>
+                <a:uFillTx/>
+              </a:defRPr>
+            </a:pPr>
+            <a:r>
+              <a:rPr lang="de-DE" sz="2200" b="1">
+                <a:solidFill>
+                  <a:srgbClr val="000000"/>
+                </a:solidFill>
+                <a:latin typeface="Arial"/>
+                <a:ea typeface="Arial"/>
+                <a:cs typeface="DejaVu Sans"/>
+              </a:rPr>
+              <a:t>Gemeindehaus</a:t>
+            </a:r>
+            <a:endParaRPr lang="de-DE">
+              <a:solidFill>
+                <a:srgbClr val="000000"/>
+              </a:solidFill>
+              <a:latin typeface="Arial"/>
+              <a:ea typeface="DejaVu Sans"/>
+              <a:cs typeface="DejaVu Sans"/>
+            </a:endParaRPr>
+          </a:p>
+        </p:txBody>
+      </p:sp>
+    </p:spTree>
+    <p:extLst>
+      <p:ext uri="{BB962C8B-B14F-4D97-AF65-F5344CB8AC3E}">
+        <p14:creationId xmlns:p14="http://schemas.microsoft.com/office/powerpoint/2010/main" val="3249870720"/>
       </p:ext>
     </p:extLst>
   </p:cSld>
